--- a/FMCAD Presentation.pptx
+++ b/FMCAD Presentation.pptx
@@ -4,12 +4,16 @@
   <p:sldMasterIdLst>
     <p:sldMasterId id="2147483660" r:id="rId1"/>
   </p:sldMasterIdLst>
+  <p:notesMasterIdLst>
+    <p:notesMasterId r:id="rId8"/>
+  </p:notesMasterIdLst>
   <p:sldIdLst>
     <p:sldId id="256" r:id="rId2"/>
     <p:sldId id="257" r:id="rId3"/>
     <p:sldId id="258" r:id="rId4"/>
     <p:sldId id="260" r:id="rId5"/>
     <p:sldId id="259" r:id="rId6"/>
+    <p:sldId id="261" r:id="rId7"/>
   </p:sldIdLst>
   <p:sldSz cx="12192000" cy="6858000"/>
   <p:notesSz cx="6858000" cy="9144000"/>
@@ -412,6 +416,475 @@
 </pc:chgInfo>
 </file>
 
+<file path=ppt/notesMasters/notesMaster1.xml><?xml version="1.0" encoding="utf-8"?>
+<p:notesMaster xmlns:a="http://schemas.openxmlformats.org/drawingml/2006/main" xmlns:r="http://schemas.openxmlformats.org/officeDocument/2006/relationships" xmlns:p="http://schemas.openxmlformats.org/presentationml/2006/main">
+  <p:cSld>
+    <p:bg>
+      <p:bgRef idx="1001">
+        <a:schemeClr val="bg1"/>
+      </p:bgRef>
+    </p:bg>
+    <p:spTree>
+      <p:nvGrpSpPr>
+        <p:cNvPr id="1" name=""/>
+        <p:cNvGrpSpPr/>
+        <p:nvPr/>
+      </p:nvGrpSpPr>
+      <p:grpSpPr>
+        <a:xfrm>
+          <a:off x="0" y="0"/>
+          <a:ext cx="0" cy="0"/>
+          <a:chOff x="0" y="0"/>
+          <a:chExt cx="0" cy="0"/>
+        </a:xfrm>
+      </p:grpSpPr>
+      <p:sp>
+        <p:nvSpPr>
+          <p:cNvPr id="2" name="Header Placeholder 1"/>
+          <p:cNvSpPr>
+            <a:spLocks noGrp="1"/>
+          </p:cNvSpPr>
+          <p:nvPr>
+            <p:ph type="hdr" sz="quarter"/>
+          </p:nvPr>
+        </p:nvSpPr>
+        <p:spPr>
+          <a:xfrm>
+            <a:off x="0" y="0"/>
+            <a:ext cx="2971800" cy="458788"/>
+          </a:xfrm>
+          <a:prstGeom prst="rect">
+            <a:avLst/>
+          </a:prstGeom>
+        </p:spPr>
+        <p:txBody>
+          <a:bodyPr vert="horz" lIns="91440" tIns="45720" rIns="91440" bIns="45720" rtlCol="0"/>
+          <a:lstStyle>
+            <a:lvl1pPr algn="l">
+              <a:defRPr sz="1200"/>
+            </a:lvl1pPr>
+          </a:lstStyle>
+          <a:p>
+            <a:endParaRPr lang="en-US"/>
+          </a:p>
+        </p:txBody>
+      </p:sp>
+      <p:sp>
+        <p:nvSpPr>
+          <p:cNvPr id="3" name="Date Placeholder 2"/>
+          <p:cNvSpPr>
+            <a:spLocks noGrp="1"/>
+          </p:cNvSpPr>
+          <p:nvPr>
+            <p:ph type="dt" idx="1"/>
+          </p:nvPr>
+        </p:nvSpPr>
+        <p:spPr>
+          <a:xfrm>
+            <a:off x="3884613" y="0"/>
+            <a:ext cx="2971800" cy="458788"/>
+          </a:xfrm>
+          <a:prstGeom prst="rect">
+            <a:avLst/>
+          </a:prstGeom>
+        </p:spPr>
+        <p:txBody>
+          <a:bodyPr vert="horz" lIns="91440" tIns="45720" rIns="91440" bIns="45720" rtlCol="0"/>
+          <a:lstStyle>
+            <a:lvl1pPr algn="r">
+              <a:defRPr sz="1200"/>
+            </a:lvl1pPr>
+          </a:lstStyle>
+          <a:p>
+            <a:fld id="{1FF7F9DD-FA9A-401A-9E21-DC407FB18E79}" type="datetimeFigureOut">
+              <a:rPr lang="en-US" smtClean="0"/>
+              <a:t>10/3/2019</a:t>
+            </a:fld>
+            <a:endParaRPr lang="en-US"/>
+          </a:p>
+        </p:txBody>
+      </p:sp>
+      <p:sp>
+        <p:nvSpPr>
+          <p:cNvPr id="4" name="Slide Image Placeholder 3"/>
+          <p:cNvSpPr>
+            <a:spLocks noGrp="1" noRot="1" noChangeAspect="1"/>
+          </p:cNvSpPr>
+          <p:nvPr>
+            <p:ph type="sldImg" idx="2"/>
+          </p:nvPr>
+        </p:nvSpPr>
+        <p:spPr>
+          <a:xfrm>
+            <a:off x="685800" y="1143000"/>
+            <a:ext cx="5486400" cy="3086100"/>
+          </a:xfrm>
+          <a:prstGeom prst="rect">
+            <a:avLst/>
+          </a:prstGeom>
+          <a:noFill/>
+          <a:ln w="12700">
+            <a:solidFill>
+              <a:prstClr val="black"/>
+            </a:solidFill>
+          </a:ln>
+        </p:spPr>
+        <p:txBody>
+          <a:bodyPr vert="horz" lIns="91440" tIns="45720" rIns="91440" bIns="45720" rtlCol="0" anchor="ctr"/>
+          <a:lstStyle/>
+          <a:p>
+            <a:endParaRPr lang="en-US"/>
+          </a:p>
+        </p:txBody>
+      </p:sp>
+      <p:sp>
+        <p:nvSpPr>
+          <p:cNvPr id="5" name="Notes Placeholder 4"/>
+          <p:cNvSpPr>
+            <a:spLocks noGrp="1"/>
+          </p:cNvSpPr>
+          <p:nvPr>
+            <p:ph type="body" sz="quarter" idx="3"/>
+          </p:nvPr>
+        </p:nvSpPr>
+        <p:spPr>
+          <a:xfrm>
+            <a:off x="685800" y="4400550"/>
+            <a:ext cx="5486400" cy="3600450"/>
+          </a:xfrm>
+          <a:prstGeom prst="rect">
+            <a:avLst/>
+          </a:prstGeom>
+        </p:spPr>
+        <p:txBody>
+          <a:bodyPr vert="horz" lIns="91440" tIns="45720" rIns="91440" bIns="45720" rtlCol="0"/>
+          <a:lstStyle/>
+          <a:p>
+            <a:pPr lvl="0"/>
+            <a:r>
+              <a:rPr lang="en-US"/>
+              <a:t>Click to edit Master text styles</a:t>
+            </a:r>
+          </a:p>
+          <a:p>
+            <a:pPr lvl="1"/>
+            <a:r>
+              <a:rPr lang="en-US"/>
+              <a:t>Second level</a:t>
+            </a:r>
+          </a:p>
+          <a:p>
+            <a:pPr lvl="2"/>
+            <a:r>
+              <a:rPr lang="en-US"/>
+              <a:t>Third level</a:t>
+            </a:r>
+          </a:p>
+          <a:p>
+            <a:pPr lvl="3"/>
+            <a:r>
+              <a:rPr lang="en-US"/>
+              <a:t>Fourth level</a:t>
+            </a:r>
+          </a:p>
+          <a:p>
+            <a:pPr lvl="4"/>
+            <a:r>
+              <a:rPr lang="en-US"/>
+              <a:t>Fifth level</a:t>
+            </a:r>
+          </a:p>
+        </p:txBody>
+      </p:sp>
+      <p:sp>
+        <p:nvSpPr>
+          <p:cNvPr id="6" name="Footer Placeholder 5"/>
+          <p:cNvSpPr>
+            <a:spLocks noGrp="1"/>
+          </p:cNvSpPr>
+          <p:nvPr>
+            <p:ph type="ftr" sz="quarter" idx="4"/>
+          </p:nvPr>
+        </p:nvSpPr>
+        <p:spPr>
+          <a:xfrm>
+            <a:off x="0" y="8685213"/>
+            <a:ext cx="2971800" cy="458787"/>
+          </a:xfrm>
+          <a:prstGeom prst="rect">
+            <a:avLst/>
+          </a:prstGeom>
+        </p:spPr>
+        <p:txBody>
+          <a:bodyPr vert="horz" lIns="91440" tIns="45720" rIns="91440" bIns="45720" rtlCol="0" anchor="b"/>
+          <a:lstStyle>
+            <a:lvl1pPr algn="l">
+              <a:defRPr sz="1200"/>
+            </a:lvl1pPr>
+          </a:lstStyle>
+          <a:p>
+            <a:endParaRPr lang="en-US"/>
+          </a:p>
+        </p:txBody>
+      </p:sp>
+      <p:sp>
+        <p:nvSpPr>
+          <p:cNvPr id="7" name="Slide Number Placeholder 6"/>
+          <p:cNvSpPr>
+            <a:spLocks noGrp="1"/>
+          </p:cNvSpPr>
+          <p:nvPr>
+            <p:ph type="sldNum" sz="quarter" idx="5"/>
+          </p:nvPr>
+        </p:nvSpPr>
+        <p:spPr>
+          <a:xfrm>
+            <a:off x="3884613" y="8685213"/>
+            <a:ext cx="2971800" cy="458787"/>
+          </a:xfrm>
+          <a:prstGeom prst="rect">
+            <a:avLst/>
+          </a:prstGeom>
+        </p:spPr>
+        <p:txBody>
+          <a:bodyPr vert="horz" lIns="91440" tIns="45720" rIns="91440" bIns="45720" rtlCol="0" anchor="b"/>
+          <a:lstStyle>
+            <a:lvl1pPr algn="r">
+              <a:defRPr sz="1200"/>
+            </a:lvl1pPr>
+          </a:lstStyle>
+          <a:p>
+            <a:fld id="{D2733B3D-5151-4726-9381-AF273F4BE90C}" type="slidenum">
+              <a:rPr lang="en-US" smtClean="0"/>
+              <a:t>‹#›</a:t>
+            </a:fld>
+            <a:endParaRPr lang="en-US"/>
+          </a:p>
+        </p:txBody>
+      </p:sp>
+    </p:spTree>
+    <p:extLst>
+      <p:ext uri="{BB962C8B-B14F-4D97-AF65-F5344CB8AC3E}">
+        <p14:creationId xmlns:p14="http://schemas.microsoft.com/office/powerpoint/2010/main" val="2143671131"/>
+      </p:ext>
+    </p:extLst>
+  </p:cSld>
+  <p:clrMap bg1="lt1" tx1="dk1" bg2="lt2" tx2="dk2" accent1="accent1" accent2="accent2" accent3="accent3" accent4="accent4" accent5="accent5" accent6="accent6" hlink="hlink" folHlink="folHlink"/>
+  <p:notesStyle>
+    <a:lvl1pPr marL="0" algn="l" defTabSz="914400" rtl="0" eaLnBrk="1" latinLnBrk="0" hangingPunct="1">
+      <a:defRPr sz="1200" kern="1200">
+        <a:solidFill>
+          <a:schemeClr val="tx1"/>
+        </a:solidFill>
+        <a:latin typeface="+mn-lt"/>
+        <a:ea typeface="+mn-ea"/>
+        <a:cs typeface="+mn-cs"/>
+      </a:defRPr>
+    </a:lvl1pPr>
+    <a:lvl2pPr marL="457200" algn="l" defTabSz="914400" rtl="0" eaLnBrk="1" latinLnBrk="0" hangingPunct="1">
+      <a:defRPr sz="1200" kern="1200">
+        <a:solidFill>
+          <a:schemeClr val="tx1"/>
+        </a:solidFill>
+        <a:latin typeface="+mn-lt"/>
+        <a:ea typeface="+mn-ea"/>
+        <a:cs typeface="+mn-cs"/>
+      </a:defRPr>
+    </a:lvl2pPr>
+    <a:lvl3pPr marL="914400" algn="l" defTabSz="914400" rtl="0" eaLnBrk="1" latinLnBrk="0" hangingPunct="1">
+      <a:defRPr sz="1200" kern="1200">
+        <a:solidFill>
+          <a:schemeClr val="tx1"/>
+        </a:solidFill>
+        <a:latin typeface="+mn-lt"/>
+        <a:ea typeface="+mn-ea"/>
+        <a:cs typeface="+mn-cs"/>
+      </a:defRPr>
+    </a:lvl3pPr>
+    <a:lvl4pPr marL="1371600" algn="l" defTabSz="914400" rtl="0" eaLnBrk="1" latinLnBrk="0" hangingPunct="1">
+      <a:defRPr sz="1200" kern="1200">
+        <a:solidFill>
+          <a:schemeClr val="tx1"/>
+        </a:solidFill>
+        <a:latin typeface="+mn-lt"/>
+        <a:ea typeface="+mn-ea"/>
+        <a:cs typeface="+mn-cs"/>
+      </a:defRPr>
+    </a:lvl4pPr>
+    <a:lvl5pPr marL="1828800" algn="l" defTabSz="914400" rtl="0" eaLnBrk="1" latinLnBrk="0" hangingPunct="1">
+      <a:defRPr sz="1200" kern="1200">
+        <a:solidFill>
+          <a:schemeClr val="tx1"/>
+        </a:solidFill>
+        <a:latin typeface="+mn-lt"/>
+        <a:ea typeface="+mn-ea"/>
+        <a:cs typeface="+mn-cs"/>
+      </a:defRPr>
+    </a:lvl5pPr>
+    <a:lvl6pPr marL="2286000" algn="l" defTabSz="914400" rtl="0" eaLnBrk="1" latinLnBrk="0" hangingPunct="1">
+      <a:defRPr sz="1200" kern="1200">
+        <a:solidFill>
+          <a:schemeClr val="tx1"/>
+        </a:solidFill>
+        <a:latin typeface="+mn-lt"/>
+        <a:ea typeface="+mn-ea"/>
+        <a:cs typeface="+mn-cs"/>
+      </a:defRPr>
+    </a:lvl6pPr>
+    <a:lvl7pPr marL="2743200" algn="l" defTabSz="914400" rtl="0" eaLnBrk="1" latinLnBrk="0" hangingPunct="1">
+      <a:defRPr sz="1200" kern="1200">
+        <a:solidFill>
+          <a:schemeClr val="tx1"/>
+        </a:solidFill>
+        <a:latin typeface="+mn-lt"/>
+        <a:ea typeface="+mn-ea"/>
+        <a:cs typeface="+mn-cs"/>
+      </a:defRPr>
+    </a:lvl7pPr>
+    <a:lvl8pPr marL="3200400" algn="l" defTabSz="914400" rtl="0" eaLnBrk="1" latinLnBrk="0" hangingPunct="1">
+      <a:defRPr sz="1200" kern="1200">
+        <a:solidFill>
+          <a:schemeClr val="tx1"/>
+        </a:solidFill>
+        <a:latin typeface="+mn-lt"/>
+        <a:ea typeface="+mn-ea"/>
+        <a:cs typeface="+mn-cs"/>
+      </a:defRPr>
+    </a:lvl8pPr>
+    <a:lvl9pPr marL="3657600" algn="l" defTabSz="914400" rtl="0" eaLnBrk="1" latinLnBrk="0" hangingPunct="1">
+      <a:defRPr sz="1200" kern="1200">
+        <a:solidFill>
+          <a:schemeClr val="tx1"/>
+        </a:solidFill>
+        <a:latin typeface="+mn-lt"/>
+        <a:ea typeface="+mn-ea"/>
+        <a:cs typeface="+mn-cs"/>
+      </a:defRPr>
+    </a:lvl9pPr>
+  </p:notesStyle>
+</p:notesMaster>
+</file>
+
+<file path=ppt/notesSlides/notesSlide1.xml><?xml version="1.0" encoding="utf-8"?>
+<p:notes xmlns:a="http://schemas.openxmlformats.org/drawingml/2006/main" xmlns:r="http://schemas.openxmlformats.org/officeDocument/2006/relationships" xmlns:p="http://schemas.openxmlformats.org/presentationml/2006/main">
+  <p:cSld>
+    <p:spTree>
+      <p:nvGrpSpPr>
+        <p:cNvPr id="1" name=""/>
+        <p:cNvGrpSpPr/>
+        <p:nvPr/>
+      </p:nvGrpSpPr>
+      <p:grpSpPr>
+        <a:xfrm>
+          <a:off x="0" y="0"/>
+          <a:ext cx="0" cy="0"/>
+          <a:chOff x="0" y="0"/>
+          <a:chExt cx="0" cy="0"/>
+        </a:xfrm>
+      </p:grpSpPr>
+      <p:sp>
+        <p:nvSpPr>
+          <p:cNvPr id="2" name="Slide Image Placeholder 1"/>
+          <p:cNvSpPr>
+            <a:spLocks noGrp="1" noRot="1" noChangeAspect="1"/>
+          </p:cNvSpPr>
+          <p:nvPr>
+            <p:ph type="sldImg"/>
+          </p:nvPr>
+        </p:nvSpPr>
+        <p:spPr/>
+      </p:sp>
+      <p:sp>
+        <p:nvSpPr>
+          <p:cNvPr id="3" name="Notes Placeholder 2"/>
+          <p:cNvSpPr>
+            <a:spLocks noGrp="1"/>
+          </p:cNvSpPr>
+          <p:nvPr>
+            <p:ph type="body" idx="1"/>
+          </p:nvPr>
+        </p:nvSpPr>
+        <p:spPr/>
+        <p:txBody>
+          <a:bodyPr/>
+          <a:lstStyle/>
+          <a:p>
+            <a:r>
+              <a:rPr lang="en-US" dirty="0"/>
+              <a:t>Applications of bit-vectors: </a:t>
+            </a:r>
+            <a:r>
+              <a:rPr lang="en-US" dirty="0">
+                <a:cs typeface="Calibri"/>
+              </a:rPr>
+              <a:t>bounded model checking [</a:t>
+            </a:r>
+            <a:r>
+              <a:rPr lang="en-US" dirty="0">
+                <a:ea typeface="+mn-lt"/>
+                <a:cs typeface="+mn-lt"/>
+              </a:rPr>
+              <a:t>Armando et al., 2006</a:t>
+            </a:r>
+            <a:r>
+              <a:rPr lang="en-US" dirty="0">
+                <a:cs typeface="Calibri"/>
+              </a:rPr>
+              <a:t>] and circuit analysis [</a:t>
+            </a:r>
+            <a:r>
+              <a:rPr lang="en-US" dirty="0">
+                <a:ea typeface="+mn-lt"/>
+                <a:cs typeface="+mn-lt"/>
+              </a:rPr>
+              <a:t>Gupta et al., 1993</a:t>
+            </a:r>
+            <a:r>
+              <a:rPr lang="en-US" dirty="0">
+                <a:cs typeface="Calibri"/>
+              </a:rPr>
+              <a:t>]</a:t>
+            </a:r>
+            <a:endParaRPr lang="en-US" dirty="0"/>
+          </a:p>
+        </p:txBody>
+      </p:sp>
+      <p:sp>
+        <p:nvSpPr>
+          <p:cNvPr id="4" name="Slide Number Placeholder 3"/>
+          <p:cNvSpPr>
+            <a:spLocks noGrp="1"/>
+          </p:cNvSpPr>
+          <p:nvPr>
+            <p:ph type="sldNum" sz="quarter" idx="5"/>
+          </p:nvPr>
+        </p:nvSpPr>
+        <p:spPr/>
+        <p:txBody>
+          <a:bodyPr/>
+          <a:lstStyle/>
+          <a:p>
+            <a:fld id="{D2733B3D-5151-4726-9381-AF273F4BE90C}" type="slidenum">
+              <a:rPr lang="en-US" smtClean="0"/>
+              <a:t>2</a:t>
+            </a:fld>
+            <a:endParaRPr lang="en-US"/>
+          </a:p>
+        </p:txBody>
+      </p:sp>
+    </p:spTree>
+    <p:extLst>
+      <p:ext uri="{BB962C8B-B14F-4D97-AF65-F5344CB8AC3E}">
+        <p14:creationId xmlns:p14="http://schemas.microsoft.com/office/powerpoint/2010/main" val="377915973"/>
+      </p:ext>
+    </p:extLst>
+  </p:cSld>
+  <p:clrMapOvr>
+    <a:masterClrMapping/>
+  </p:clrMapOvr>
+</p:notes>
+</file>
+
 <file path=ppt/slideLayouts/slideLayout1.xml><?xml version="1.0" encoding="utf-8"?>
 <p:sldLayout xmlns:a="http://schemas.openxmlformats.org/drawingml/2006/main" xmlns:r="http://schemas.openxmlformats.org/officeDocument/2006/relationships" xmlns:p="http://schemas.openxmlformats.org/presentationml/2006/main" type="title" preserve="1">
   <p:cSld name="Title Slide">
@@ -543,7 +1016,7 @@
           <a:p>
             <a:fld id="{846CE7D5-CF57-46EF-B807-FDD0502418D4}" type="datetimeFigureOut">
               <a:rPr lang="en-US" smtClean="0"/>
-              <a:t>9/27/2019</a:t>
+              <a:t>10/3/2019</a:t>
             </a:fld>
             <a:endParaRPr lang="en-US"/>
           </a:p>
@@ -713,7 +1186,7 @@
           <a:p>
             <a:fld id="{846CE7D5-CF57-46EF-B807-FDD0502418D4}" type="datetimeFigureOut">
               <a:rPr lang="en-US" smtClean="0"/>
-              <a:t>9/27/2019</a:t>
+              <a:t>10/3/2019</a:t>
             </a:fld>
             <a:endParaRPr lang="en-US"/>
           </a:p>
@@ -893,7 +1366,7 @@
           <a:p>
             <a:fld id="{846CE7D5-CF57-46EF-B807-FDD0502418D4}" type="datetimeFigureOut">
               <a:rPr lang="en-US" smtClean="0"/>
-              <a:t>9/27/2019</a:t>
+              <a:t>10/3/2019</a:t>
             </a:fld>
             <a:endParaRPr lang="en-US"/>
           </a:p>
@@ -1063,7 +1536,7 @@
           <a:p>
             <a:fld id="{846CE7D5-CF57-46EF-B807-FDD0502418D4}" type="datetimeFigureOut">
               <a:rPr lang="en-US" smtClean="0"/>
-              <a:t>9/27/2019</a:t>
+              <a:t>10/3/2019</a:t>
             </a:fld>
             <a:endParaRPr lang="en-US"/>
           </a:p>
@@ -1309,7 +1782,7 @@
           <a:p>
             <a:fld id="{846CE7D5-CF57-46EF-B807-FDD0502418D4}" type="datetimeFigureOut">
               <a:rPr lang="en-US" smtClean="0"/>
-              <a:t>9/27/2019</a:t>
+              <a:t>10/3/2019</a:t>
             </a:fld>
             <a:endParaRPr lang="en-US"/>
           </a:p>
@@ -1541,7 +2014,7 @@
           <a:p>
             <a:fld id="{846CE7D5-CF57-46EF-B807-FDD0502418D4}" type="datetimeFigureOut">
               <a:rPr lang="en-US" smtClean="0"/>
-              <a:t>9/27/2019</a:t>
+              <a:t>10/3/2019</a:t>
             </a:fld>
             <a:endParaRPr lang="en-US"/>
           </a:p>
@@ -1908,7 +2381,7 @@
           <a:p>
             <a:fld id="{846CE7D5-CF57-46EF-B807-FDD0502418D4}" type="datetimeFigureOut">
               <a:rPr lang="en-US" smtClean="0"/>
-              <a:t>9/27/2019</a:t>
+              <a:t>10/3/2019</a:t>
             </a:fld>
             <a:endParaRPr lang="en-US"/>
           </a:p>
@@ -2026,7 +2499,7 @@
           <a:p>
             <a:fld id="{846CE7D5-CF57-46EF-B807-FDD0502418D4}" type="datetimeFigureOut">
               <a:rPr lang="en-US" smtClean="0"/>
-              <a:t>9/27/2019</a:t>
+              <a:t>10/3/2019</a:t>
             </a:fld>
             <a:endParaRPr lang="en-US"/>
           </a:p>
@@ -2121,7 +2594,7 @@
           <a:p>
             <a:fld id="{846CE7D5-CF57-46EF-B807-FDD0502418D4}" type="datetimeFigureOut">
               <a:rPr lang="en-US" smtClean="0"/>
-              <a:t>9/27/2019</a:t>
+              <a:t>10/3/2019</a:t>
             </a:fld>
             <a:endParaRPr lang="en-US"/>
           </a:p>
@@ -2398,7 +2871,7 @@
           <a:p>
             <a:fld id="{846CE7D5-CF57-46EF-B807-FDD0502418D4}" type="datetimeFigureOut">
               <a:rPr lang="en-US" smtClean="0"/>
-              <a:t>9/27/2019</a:t>
+              <a:t>10/3/2019</a:t>
             </a:fld>
             <a:endParaRPr lang="en-US"/>
           </a:p>
@@ -2655,7 +3128,7 @@
           <a:p>
             <a:fld id="{846CE7D5-CF57-46EF-B807-FDD0502418D4}" type="datetimeFigureOut">
               <a:rPr lang="en-US" smtClean="0"/>
-              <a:t>9/27/2019</a:t>
+              <a:t>10/3/2019</a:t>
             </a:fld>
             <a:endParaRPr lang="en-US"/>
           </a:p>
@@ -2868,7 +3341,7 @@
           <a:p>
             <a:fld id="{846CE7D5-CF57-46EF-B807-FDD0502418D4}" type="datetimeFigureOut">
               <a:rPr lang="en-US" smtClean="0"/>
-              <a:t>9/27/2019</a:t>
+              <a:t>10/3/2019</a:t>
             </a:fld>
             <a:endParaRPr lang="en-US"/>
           </a:p>
@@ -3822,63 +4295,49 @@
               <a:rPr lang="en-US" dirty="0">
                 <a:cs typeface="Calibri"/>
               </a:rPr>
-              <a:t>Bit-vectors are useful for verification task such as bounded model checking [</a:t>
-            </a:r>
-            <a:r>
-              <a:rPr lang="en-US" dirty="0">
-                <a:ea typeface="+mn-lt"/>
-                <a:cs typeface="+mn-lt"/>
-              </a:rPr>
-              <a:t>Armando et al., 2006</a:t>
-            </a:r>
+              <a:t>Bit-vectors are useful for many verification tasks</a:t>
+            </a:r>
+          </a:p>
+          <a:p>
+            <a:endParaRPr lang="en-US" dirty="0">
+              <a:cs typeface="Calibri"/>
+            </a:endParaRPr>
+          </a:p>
+          <a:p>
             <a:r>
               <a:rPr lang="en-US" dirty="0">
                 <a:cs typeface="Calibri"/>
               </a:rPr>
-              <a:t>] and circuit analysis [</a:t>
+              <a:t>Many applications require reasoning about </a:t>
             </a:r>
             <a:r>
               <a:rPr lang="en-US" dirty="0">
-                <a:ea typeface="+mn-lt"/>
-                <a:cs typeface="+mn-lt"/>
+                <a:solidFill>
+                  <a:schemeClr val="accent2"/>
+                </a:solidFill>
+                <a:cs typeface="Calibri"/>
               </a:rPr>
-              <a:t>Gupta et al., 1993</a:t>
-            </a:r>
+              <a:t>quantified bit-vectors</a:t>
+            </a:r>
+          </a:p>
+          <a:p>
+            <a:endParaRPr lang="en-US" dirty="0">
+              <a:solidFill>
+                <a:schemeClr val="accent2"/>
+              </a:solidFill>
+              <a:cs typeface="Calibri"/>
+            </a:endParaRPr>
+          </a:p>
+          <a:p>
             <a:r>
               <a:rPr lang="en-US" dirty="0">
                 <a:cs typeface="Calibri"/>
               </a:rPr>
-              <a:t>]</a:t>
-            </a:r>
-          </a:p>
-          <a:p>
-            <a:r>
-              <a:rPr lang="en-US" dirty="0">
-                <a:cs typeface="Calibri"/>
-              </a:rPr>
-              <a:t>Many applications require reasoning about quantified bit-vectors</a:t>
-            </a:r>
-          </a:p>
-          <a:p>
-            <a:r>
-              <a:rPr lang="en-US" dirty="0">
-                <a:cs typeface="Calibri"/>
-              </a:rPr>
-              <a:t>Some SMT solvers deal with quantified formulas using </a:t>
-            </a:r>
-            <a:r>
-              <a:rPr lang="en-US" i="1" dirty="0">
-                <a:cs typeface="Calibri"/>
-              </a:rPr>
-              <a:t>quantifier-instantiation</a:t>
-            </a:r>
-            <a:r>
-              <a:rPr lang="en-US" dirty="0">
-                <a:cs typeface="Calibri"/>
-              </a:rPr>
-              <a:t> techniques</a:t>
-            </a:r>
-            <a:endParaRPr lang="en-US">
+              <a:t>Some SMT solvers deal with quantified formulas using quantifier-instantiation techniques</a:t>
+            </a:r>
+          </a:p>
+          <a:p>
+            <a:endParaRPr lang="en-US" dirty="0">
               <a:cs typeface="Calibri"/>
             </a:endParaRPr>
           </a:p>
@@ -3890,7 +4349,7 @@
               <a:t>CVC4 uses </a:t>
             </a:r>
             <a:r>
-              <a:rPr lang="en-US" i="1" dirty="0">
+              <a:rPr lang="en-US" dirty="0">
                 <a:solidFill>
                   <a:schemeClr val="accent2"/>
                 </a:solidFill>
@@ -4031,7 +4490,7 @@
         </p:spPr>
         <p:txBody>
           <a:bodyPr vert="horz" lIns="91440" tIns="45720" rIns="91440" bIns="45720" rtlCol="0">
-            <a:normAutofit fontScale="92500" lnSpcReduction="10000"/>
+            <a:normAutofit/>
           </a:bodyPr>
           <a:lstStyle>
             <a:lvl1pPr marL="228600" indent="-228600" algn="l" defTabSz="914400" rtl="0" eaLnBrk="1" latinLnBrk="0" hangingPunct="1">
@@ -4237,12 +4696,6 @@
             <a:pPr marL="0" indent="0">
               <a:buNone/>
             </a:pPr>
-            <a:endParaRPr lang="en-US" dirty="0"/>
-          </a:p>
-          <a:p>
-            <a:pPr marL="0" indent="0">
-              <a:buNone/>
-            </a:pPr>
             <a:r>
               <a:rPr lang="en-US" dirty="0"/>
               <a:t>is a formula </a:t>
@@ -4295,18 +4748,6 @@
             <a:pPr marL="0" indent="0">
               <a:buNone/>
             </a:pPr>
-            <a:r>
-              <a:rPr lang="en-US" dirty="0"/>
-              <a:t>where s, t, x : </a:t>
-            </a:r>
-            <a:r>
-              <a:rPr lang="en-US" dirty="0" err="1"/>
-              <a:t>BV</a:t>
-            </a:r>
-            <a:r>
-              <a:rPr lang="en-US" baseline="-25000" dirty="0" err="1"/>
-              <a:t>n</a:t>
-            </a:r>
             <a:endParaRPr lang="en-US" dirty="0"/>
           </a:p>
           <a:p>
@@ -4315,30 +4756,28 @@
             </a:pPr>
             <a:endParaRPr lang="en-US" dirty="0"/>
           </a:p>
-          <a:p>
-            <a:pPr marL="0" indent="0">
-              <a:buNone/>
-            </a:pPr>
-            <a:endParaRPr lang="en-US" dirty="0"/>
-          </a:p>
         </p:txBody>
       </p:sp>
       <p:pic>
         <p:nvPicPr>
-          <p:cNvPr id="9" name="Picture 8">
+          <p:cNvPr id="7" name="Picture 6">
             <a:extLst>
               <a:ext uri="{FF2B5EF4-FFF2-40B4-BE49-F238E27FC236}">
-                <a16:creationId xmlns:a16="http://schemas.microsoft.com/office/drawing/2014/main" id="{D2C80CF9-66BC-4CAC-BA9C-400B1B5583E6}"/>
+                <a16:creationId xmlns:a16="http://schemas.microsoft.com/office/drawing/2014/main" id="{C5DF82DB-ADCA-4981-A658-0701288D1D79}"/>
               </a:ext>
             </a:extLst>
           </p:cNvPr>
           <p:cNvPicPr>
             <a:picLocks noChangeAspect="1"/>
           </p:cNvPicPr>
-          <p:nvPr/>
+          <p:nvPr>
+            <p:custDataLst>
+              <p:tags r:id="rId1"/>
+            </p:custDataLst>
+          </p:nvPr>
         </p:nvPicPr>
         <p:blipFill>
-          <a:blip r:embed="rId2">
+          <a:blip r:embed="rId5" cstate="print">
             <a:extLst>
               <a:ext uri="{28A0092B-C50C-407E-A947-70E740481C1C}">
                 <a14:useLocalDpi xmlns:a14="http://schemas.microsoft.com/office/drawing/2010/main" val="0"/>
@@ -4351,7 +4790,7 @@
         </p:blipFill>
         <p:spPr>
           <a:xfrm>
-            <a:off x="4721094" y="2491286"/>
+            <a:off x="4765482" y="2361125"/>
             <a:ext cx="1939201" cy="352000"/>
           </a:xfrm>
           <a:prstGeom prst="rect">
@@ -4361,20 +4800,24 @@
       </p:pic>
       <p:pic>
         <p:nvPicPr>
-          <p:cNvPr id="10" name="Picture 9">
+          <p:cNvPr id="12" name="Picture 11">
             <a:extLst>
               <a:ext uri="{FF2B5EF4-FFF2-40B4-BE49-F238E27FC236}">
-                <a16:creationId xmlns:a16="http://schemas.microsoft.com/office/drawing/2014/main" id="{513926B5-B470-4ADA-B9F8-0610FA824DF2}"/>
+                <a16:creationId xmlns:a16="http://schemas.microsoft.com/office/drawing/2014/main" id="{DF603F5F-AFC2-4EA7-8942-543C405F296A}"/>
               </a:ext>
             </a:extLst>
           </p:cNvPr>
           <p:cNvPicPr>
             <a:picLocks noChangeAspect="1"/>
           </p:cNvPicPr>
-          <p:nvPr/>
+          <p:nvPr>
+            <p:custDataLst>
+              <p:tags r:id="rId2"/>
+            </p:custDataLst>
+          </p:nvPr>
         </p:nvPicPr>
         <p:blipFill>
-          <a:blip r:embed="rId3">
+          <a:blip r:embed="rId6" cstate="print">
             <a:extLst>
               <a:ext uri="{28A0092B-C50C-407E-A947-70E740481C1C}">
                 <a14:useLocalDpi xmlns:a14="http://schemas.microsoft.com/office/drawing/2010/main" val="0"/>
@@ -4387,7 +4830,7 @@
         </p:blipFill>
         <p:spPr>
           <a:xfrm>
-            <a:off x="4866161" y="3573241"/>
+            <a:off x="4866161" y="3404564"/>
             <a:ext cx="1649066" cy="352000"/>
           </a:xfrm>
           <a:prstGeom prst="rect">
@@ -4397,20 +4840,24 @@
       </p:pic>
       <p:pic>
         <p:nvPicPr>
-          <p:cNvPr id="11" name="Picture 10">
+          <p:cNvPr id="4" name="Picture 3">
             <a:extLst>
               <a:ext uri="{FF2B5EF4-FFF2-40B4-BE49-F238E27FC236}">
-                <a16:creationId xmlns:a16="http://schemas.microsoft.com/office/drawing/2014/main" id="{30F8652C-BAC0-4C07-BD18-5792180CE72B}"/>
+                <a16:creationId xmlns:a16="http://schemas.microsoft.com/office/drawing/2014/main" id="{F5235473-7934-443A-8949-AB3205883FEC}"/>
               </a:ext>
             </a:extLst>
           </p:cNvPr>
           <p:cNvPicPr>
             <a:picLocks noChangeAspect="1"/>
           </p:cNvPicPr>
-          <p:nvPr/>
+          <p:nvPr>
+            <p:custDataLst>
+              <p:tags r:id="rId3"/>
+            </p:custDataLst>
+          </p:nvPr>
         </p:nvPicPr>
         <p:blipFill>
-          <a:blip r:embed="rId4">
+          <a:blip r:embed="rId7" cstate="print">
             <a:extLst>
               <a:ext uri="{28A0092B-C50C-407E-A947-70E740481C1C}">
                 <a14:useLocalDpi xmlns:a14="http://schemas.microsoft.com/office/drawing/2010/main" val="0"/>
@@ -4423,8 +4870,8 @@
         </p:blipFill>
         <p:spPr>
           <a:xfrm>
-            <a:off x="3189361" y="5027143"/>
-            <a:ext cx="5002666" cy="352000"/>
+            <a:off x="2567924" y="4983851"/>
+            <a:ext cx="6709333" cy="352000"/>
           </a:xfrm>
           <a:prstGeom prst="rect">
             <a:avLst/>
@@ -4511,7 +4958,7 @@
         <p:spPr/>
         <p:txBody>
           <a:bodyPr vert="horz" lIns="91440" tIns="45720" rIns="91440" bIns="45720" rtlCol="0" anchor="t">
-            <a:normAutofit/>
+            <a:normAutofit fontScale="92500" lnSpcReduction="10000"/>
           </a:bodyPr>
           <a:lstStyle/>
           <a:p>
@@ -4527,8 +4974,26 @@
                 <a:ea typeface="+mn-lt"/>
                 <a:cs typeface="+mn-lt"/>
               </a:rPr>
-              <a:t> et al. [</a:t>
-            </a:r>
+              <a:t> et al. [CAV 2018] generated 162 invertibility equivalences and verified them automatically for </a:t>
+            </a:r>
+            <a:r>
+              <a:rPr lang="en-US" dirty="0">
+                <a:solidFill>
+                  <a:schemeClr val="accent2"/>
+                </a:solidFill>
+                <a:ea typeface="+mn-lt"/>
+                <a:cs typeface="+mn-lt"/>
+              </a:rPr>
+              <a:t>bit-widths up to 65</a:t>
+            </a:r>
+          </a:p>
+          <a:p>
+            <a:endParaRPr lang="en-US" i="1" dirty="0">
+              <a:ea typeface="+mn-lt"/>
+              <a:cs typeface="+mn-lt"/>
+            </a:endParaRPr>
+          </a:p>
+          <a:p>
             <a:r>
               <a:rPr lang="en-US" dirty="0" err="1">
                 <a:ea typeface="+mn-lt"/>
@@ -4541,52 +5006,24 @@
                 <a:ea typeface="+mn-lt"/>
                 <a:cs typeface="+mn-lt"/>
               </a:rPr>
-              <a:t> et al., CAV 2018] generated 162 invertibility equivalences and verified them automatically for </a:t>
-            </a:r>
-            <a:r>
-              <a:rPr lang="en-US" i="1" dirty="0">
-                <a:ea typeface="+mn-lt"/>
-                <a:cs typeface="+mn-lt"/>
-              </a:rPr>
-              <a:t>bit-widths up to 65</a:t>
-            </a:r>
-          </a:p>
-          <a:p>
-            <a:r>
-              <a:rPr lang="en-US" dirty="0" err="1">
-                <a:ea typeface="+mn-lt"/>
-                <a:cs typeface="+mn-lt"/>
-              </a:rPr>
-              <a:t>Niemetz</a:t>
+              <a:t> et al. [CADE 2019] encoded these equivalences in QF(NIA+UF) to verify 75% of the equivalences for </a:t>
             </a:r>
             <a:r>
               <a:rPr lang="en-US" dirty="0">
-                <a:ea typeface="+mn-lt"/>
-                <a:cs typeface="+mn-lt"/>
-              </a:rPr>
-              <a:t> et al. [</a:t>
-            </a:r>
-            <a:r>
-              <a:rPr lang="en-US" dirty="0" err="1">
-                <a:ea typeface="+mn-lt"/>
-                <a:cs typeface="+mn-lt"/>
-              </a:rPr>
-              <a:t>Niemetz</a:t>
-            </a:r>
-            <a:r>
-              <a:rPr lang="en-US" dirty="0">
-                <a:ea typeface="+mn-lt"/>
-                <a:cs typeface="+mn-lt"/>
-              </a:rPr>
-              <a:t> et al., CADE 2019] encoded these equivalences in QF(NIA+UF) to verify 75% of the equivalences for </a:t>
-            </a:r>
-            <a:r>
-              <a:rPr lang="en-US" i="1" dirty="0">
+                <a:solidFill>
+                  <a:schemeClr val="accent2"/>
+                </a:solidFill>
                 <a:ea typeface="+mn-lt"/>
                 <a:cs typeface="+mn-lt"/>
               </a:rPr>
               <a:t>arbitrary bit-width</a:t>
             </a:r>
+          </a:p>
+          <a:p>
+            <a:endParaRPr lang="en-US" i="1" dirty="0">
+              <a:ea typeface="+mn-lt"/>
+              <a:cs typeface="+mn-lt"/>
+            </a:endParaRPr>
           </a:p>
           <a:p>
             <a:r>
@@ -4597,12 +5034,17 @@
               <a:t>We proved a subset of the rest of the 25% of the equivalences in the Coq proof assistant for </a:t>
             </a:r>
             <a:r>
-              <a:rPr lang="en-US" i="1" dirty="0">
+              <a:rPr lang="en-US" dirty="0">
+                <a:solidFill>
+                  <a:schemeClr val="accent2"/>
+                </a:solidFill>
                 <a:ea typeface="+mn-lt"/>
                 <a:cs typeface="+mn-lt"/>
               </a:rPr>
               <a:t>arbitrary bit-width</a:t>
             </a:r>
+          </a:p>
+          <a:p>
             <a:endParaRPr lang="en-US" dirty="0">
               <a:ea typeface="+mn-lt"/>
               <a:cs typeface="+mn-lt"/>
@@ -4616,7 +5058,7 @@
               <a:t>We used a Coq library originally used for </a:t>
             </a:r>
             <a:r>
-              <a:rPr lang="en-US" i="1" dirty="0" err="1">
+              <a:rPr lang="en-US" dirty="0" err="1">
                 <a:solidFill>
                   <a:schemeClr val="accent2"/>
                 </a:solidFill>
@@ -4628,7 +5070,7 @@
               <a:rPr lang="en-US" dirty="0">
                 <a:cs typeface="Calibri"/>
               </a:rPr>
-              <a:t> [</a:t>
+              <a:t> developed by </a:t>
             </a:r>
             <a:r>
               <a:rPr lang="en-US" dirty="0" err="1">
@@ -4642,7 +5084,20 @@
                 <a:ea typeface="+mn-lt"/>
                 <a:cs typeface="+mn-lt"/>
               </a:rPr>
-              <a:t> et al., 2017</a:t>
+              <a:t> et al. </a:t>
+            </a:r>
+            <a:r>
+              <a:rPr lang="en-US" dirty="0">
+                <a:cs typeface="Calibri"/>
+              </a:rPr>
+              <a:t>[</a:t>
+            </a:r>
+            <a:r>
+              <a:rPr lang="en-US" dirty="0">
+                <a:ea typeface="+mn-lt"/>
+                <a:cs typeface="+mn-lt"/>
+              </a:rPr>
+              <a:t>CAV 2017</a:t>
             </a:r>
             <a:r>
               <a:rPr lang="en-US" dirty="0">
@@ -4650,11 +5105,6 @@
               </a:rPr>
               <a:t>] and extended its signature</a:t>
             </a:r>
-          </a:p>
-          <a:p>
-            <a:endParaRPr lang="en-US" dirty="0">
-              <a:cs typeface="Calibri"/>
-            </a:endParaRPr>
           </a:p>
         </p:txBody>
       </p:sp>
@@ -4734,7 +5184,7 @@
           <p:nvPr/>
         </p:nvPicPr>
         <p:blipFill>
-          <a:blip r:embed="rId2">
+          <a:blip r:embed="rId3" cstate="print">
             <a:extLst>
               <a:ext uri="{28A0092B-C50C-407E-A947-70E740481C1C}">
                 <a14:useLocalDpi xmlns:a14="http://schemas.microsoft.com/office/drawing/2010/main" val="0"/>
@@ -4757,20 +5207,24 @@
       </p:pic>
       <p:pic>
         <p:nvPicPr>
-          <p:cNvPr id="8" name="Picture 7">
+          <p:cNvPr id="5" name="Picture 4">
             <a:extLst>
               <a:ext uri="{FF2B5EF4-FFF2-40B4-BE49-F238E27FC236}">
-                <a16:creationId xmlns:a16="http://schemas.microsoft.com/office/drawing/2014/main" id="{70BC3C44-E180-49E0-ABF9-18D7A624EC39}"/>
+                <a16:creationId xmlns:a16="http://schemas.microsoft.com/office/drawing/2014/main" id="{C6F91A44-E7FD-4AB9-B3A0-C4CB3A3E113B}"/>
               </a:ext>
             </a:extLst>
           </p:cNvPr>
           <p:cNvPicPr>
             <a:picLocks noChangeAspect="1"/>
           </p:cNvPicPr>
-          <p:nvPr/>
+          <p:nvPr>
+            <p:custDataLst>
+              <p:tags r:id="rId1"/>
+            </p:custDataLst>
+          </p:nvPr>
         </p:nvPicPr>
         <p:blipFill>
-          <a:blip r:embed="rId3">
+          <a:blip r:embed="rId4" cstate="print">
             <a:extLst>
               <a:ext uri="{28A0092B-C50C-407E-A947-70E740481C1C}">
                 <a14:useLocalDpi xmlns:a14="http://schemas.microsoft.com/office/drawing/2010/main" val="0"/>
@@ -4783,7 +5237,7 @@
         </p:blipFill>
         <p:spPr>
           <a:xfrm>
-            <a:off x="1085027" y="1819930"/>
+            <a:off x="799700" y="1674401"/>
             <a:ext cx="5363356" cy="4499909"/>
           </a:xfrm>
           <a:prstGeom prst="rect">
@@ -4802,6 +5256,489 @@
     <a:masterClrMapping/>
   </p:clrMapOvr>
 </p:sld>
+</file>
+
+<file path=ppt/slides/slide6.xml><?xml version="1.0" encoding="utf-8"?>
+<p:sld xmlns:a="http://schemas.openxmlformats.org/drawingml/2006/main" xmlns:r="http://schemas.openxmlformats.org/officeDocument/2006/relationships" xmlns:p="http://schemas.openxmlformats.org/presentationml/2006/main">
+  <p:cSld>
+    <p:spTree>
+      <p:nvGrpSpPr>
+        <p:cNvPr id="1" name=""/>
+        <p:cNvGrpSpPr/>
+        <p:nvPr/>
+      </p:nvGrpSpPr>
+      <p:grpSpPr>
+        <a:xfrm>
+          <a:off x="0" y="0"/>
+          <a:ext cx="0" cy="0"/>
+          <a:chOff x="0" y="0"/>
+          <a:chExt cx="0" cy="0"/>
+        </a:xfrm>
+      </p:grpSpPr>
+      <p:sp>
+        <p:nvSpPr>
+          <p:cNvPr id="2" name="Title 1">
+            <a:extLst>
+              <a:ext uri="{FF2B5EF4-FFF2-40B4-BE49-F238E27FC236}">
+                <a16:creationId xmlns:a16="http://schemas.microsoft.com/office/drawing/2014/main" id="{7975308B-C36A-41C9-90DD-A1CD2B459944}"/>
+              </a:ext>
+            </a:extLst>
+          </p:cNvPr>
+          <p:cNvSpPr>
+            <a:spLocks noGrp="1"/>
+          </p:cNvSpPr>
+          <p:nvPr>
+            <p:ph type="title"/>
+          </p:nvPr>
+        </p:nvSpPr>
+        <p:spPr/>
+        <p:txBody>
+          <a:bodyPr/>
+          <a:lstStyle/>
+          <a:p>
+            <a:r>
+              <a:rPr lang="en-US" dirty="0">
+                <a:ea typeface="+mj-lt"/>
+                <a:cs typeface="+mj-lt"/>
+              </a:rPr>
+              <a:t>Future Work</a:t>
+            </a:r>
+          </a:p>
+        </p:txBody>
+      </p:sp>
+      <p:pic>
+        <p:nvPicPr>
+          <p:cNvPr id="27" name="Picture 26">
+            <a:extLst>
+              <a:ext uri="{FF2B5EF4-FFF2-40B4-BE49-F238E27FC236}">
+                <a16:creationId xmlns:a16="http://schemas.microsoft.com/office/drawing/2014/main" id="{C21CF238-0BE1-4670-8D26-3598E5A8F9F3}"/>
+              </a:ext>
+            </a:extLst>
+          </p:cNvPr>
+          <p:cNvPicPr>
+            <a:picLocks noChangeAspect="1"/>
+          </p:cNvPicPr>
+          <p:nvPr>
+            <p:custDataLst>
+              <p:tags r:id="rId1"/>
+            </p:custDataLst>
+          </p:nvPr>
+        </p:nvPicPr>
+        <p:blipFill>
+          <a:blip r:embed="rId3" cstate="print">
+            <a:extLst>
+              <a:ext uri="{28A0092B-C50C-407E-A947-70E740481C1C}">
+                <a14:useLocalDpi xmlns:a14="http://schemas.microsoft.com/office/drawing/2010/main" val="0"/>
+              </a:ext>
+            </a:extLst>
+          </a:blip>
+          <a:stretch>
+            <a:fillRect/>
+          </a:stretch>
+        </p:blipFill>
+        <p:spPr>
+          <a:xfrm>
+            <a:off x="1021641" y="1346902"/>
+            <a:ext cx="6693054" cy="5290421"/>
+          </a:xfrm>
+          <a:prstGeom prst="rect">
+            <a:avLst/>
+          </a:prstGeom>
+        </p:spPr>
+      </p:pic>
+      <p:cxnSp>
+        <p:nvCxnSpPr>
+          <p:cNvPr id="29" name="Straight Connector 28">
+            <a:extLst>
+              <a:ext uri="{FF2B5EF4-FFF2-40B4-BE49-F238E27FC236}">
+                <a16:creationId xmlns:a16="http://schemas.microsoft.com/office/drawing/2014/main" id="{6B07733B-AD0B-43CE-8488-C414678CC8B9}"/>
+              </a:ext>
+            </a:extLst>
+          </p:cNvPr>
+          <p:cNvCxnSpPr>
+            <a:cxnSpLocks/>
+          </p:cNvCxnSpPr>
+          <p:nvPr/>
+        </p:nvCxnSpPr>
+        <p:spPr>
+          <a:xfrm>
+            <a:off x="5646198" y="1349406"/>
+            <a:ext cx="0" cy="3870664"/>
+          </a:xfrm>
+          <a:prstGeom prst="line">
+            <a:avLst/>
+          </a:prstGeom>
+          <a:ln w="19050"/>
+        </p:spPr>
+        <p:style>
+          <a:lnRef idx="1">
+            <a:schemeClr val="dk1"/>
+          </a:lnRef>
+          <a:fillRef idx="0">
+            <a:schemeClr val="dk1"/>
+          </a:fillRef>
+          <a:effectRef idx="0">
+            <a:schemeClr val="dk1"/>
+          </a:effectRef>
+          <a:fontRef idx="minor">
+            <a:schemeClr val="tx1"/>
+          </a:fontRef>
+        </p:style>
+      </p:cxnSp>
+      <p:cxnSp>
+        <p:nvCxnSpPr>
+          <p:cNvPr id="33" name="Straight Connector 32">
+            <a:extLst>
+              <a:ext uri="{FF2B5EF4-FFF2-40B4-BE49-F238E27FC236}">
+                <a16:creationId xmlns:a16="http://schemas.microsoft.com/office/drawing/2014/main" id="{DE2CD2C4-15B9-48CF-8DC5-BB66320F74DA}"/>
+              </a:ext>
+            </a:extLst>
+          </p:cNvPr>
+          <p:cNvCxnSpPr/>
+          <p:nvPr/>
+        </p:nvCxnSpPr>
+        <p:spPr>
+          <a:xfrm flipH="1">
+            <a:off x="1021641" y="5220070"/>
+            <a:ext cx="4624557" cy="0"/>
+          </a:xfrm>
+          <a:prstGeom prst="line">
+            <a:avLst/>
+          </a:prstGeom>
+          <a:ln w="19050"/>
+        </p:spPr>
+        <p:style>
+          <a:lnRef idx="1">
+            <a:schemeClr val="dk1"/>
+          </a:lnRef>
+          <a:fillRef idx="0">
+            <a:schemeClr val="dk1"/>
+          </a:fillRef>
+          <a:effectRef idx="0">
+            <a:schemeClr val="dk1"/>
+          </a:effectRef>
+          <a:fontRef idx="minor">
+            <a:schemeClr val="tx1"/>
+          </a:fontRef>
+        </p:style>
+      </p:cxnSp>
+      <p:sp>
+        <p:nvSpPr>
+          <p:cNvPr id="34" name="TextBox 33">
+            <a:extLst>
+              <a:ext uri="{FF2B5EF4-FFF2-40B4-BE49-F238E27FC236}">
+                <a16:creationId xmlns:a16="http://schemas.microsoft.com/office/drawing/2014/main" id="{806CE993-9E17-480F-8027-0D1B1A222E77}"/>
+              </a:ext>
+            </a:extLst>
+          </p:cNvPr>
+          <p:cNvSpPr txBox="1"/>
+          <p:nvPr/>
+        </p:nvSpPr>
+        <p:spPr>
+          <a:xfrm>
+            <a:off x="6095999" y="2610035"/>
+            <a:ext cx="1405623" cy="477054"/>
+          </a:xfrm>
+          <a:prstGeom prst="rect">
+            <a:avLst/>
+          </a:prstGeom>
+          <a:noFill/>
+        </p:spPr>
+        <p:txBody>
+          <a:bodyPr wrap="square" rtlCol="0">
+            <a:spAutoFit/>
+          </a:bodyPr>
+          <a:lstStyle/>
+          <a:p>
+            <a:r>
+              <a:rPr lang="en-US" sz="2500" dirty="0"/>
+              <a:t>…	…</a:t>
+            </a:r>
+          </a:p>
+        </p:txBody>
+      </p:sp>
+      <p:sp>
+        <p:nvSpPr>
+          <p:cNvPr id="35" name="TextBox 34">
+            <a:extLst>
+              <a:ext uri="{FF2B5EF4-FFF2-40B4-BE49-F238E27FC236}">
+                <a16:creationId xmlns:a16="http://schemas.microsoft.com/office/drawing/2014/main" id="{0C9E32D9-0A08-4FA4-8D58-E980285FCD56}"/>
+              </a:ext>
+            </a:extLst>
+          </p:cNvPr>
+          <p:cNvSpPr txBox="1"/>
+          <p:nvPr/>
+        </p:nvSpPr>
+        <p:spPr>
+          <a:xfrm>
+            <a:off x="6095998" y="3087089"/>
+            <a:ext cx="1405623" cy="477054"/>
+          </a:xfrm>
+          <a:prstGeom prst="rect">
+            <a:avLst/>
+          </a:prstGeom>
+          <a:noFill/>
+        </p:spPr>
+        <p:txBody>
+          <a:bodyPr wrap="square" rtlCol="0">
+            <a:spAutoFit/>
+          </a:bodyPr>
+          <a:lstStyle/>
+          <a:p>
+            <a:r>
+              <a:rPr lang="en-US" sz="2500" dirty="0"/>
+              <a:t>…	…</a:t>
+            </a:r>
+          </a:p>
+        </p:txBody>
+      </p:sp>
+      <p:sp>
+        <p:nvSpPr>
+          <p:cNvPr id="36" name="TextBox 35">
+            <a:extLst>
+              <a:ext uri="{FF2B5EF4-FFF2-40B4-BE49-F238E27FC236}">
+                <a16:creationId xmlns:a16="http://schemas.microsoft.com/office/drawing/2014/main" id="{ACF3791F-DE52-4D02-AEAC-13343AA70D7E}"/>
+              </a:ext>
+            </a:extLst>
+          </p:cNvPr>
+          <p:cNvSpPr txBox="1"/>
+          <p:nvPr/>
+        </p:nvSpPr>
+        <p:spPr>
+          <a:xfrm>
+            <a:off x="6095998" y="3545888"/>
+            <a:ext cx="1405623" cy="477054"/>
+          </a:xfrm>
+          <a:prstGeom prst="rect">
+            <a:avLst/>
+          </a:prstGeom>
+          <a:noFill/>
+        </p:spPr>
+        <p:txBody>
+          <a:bodyPr wrap="square" rtlCol="0">
+            <a:spAutoFit/>
+          </a:bodyPr>
+          <a:lstStyle/>
+          <a:p>
+            <a:r>
+              <a:rPr lang="en-US" sz="2500" dirty="0"/>
+              <a:t>…	…</a:t>
+            </a:r>
+          </a:p>
+        </p:txBody>
+      </p:sp>
+      <p:sp>
+        <p:nvSpPr>
+          <p:cNvPr id="37" name="TextBox 36">
+            <a:extLst>
+              <a:ext uri="{FF2B5EF4-FFF2-40B4-BE49-F238E27FC236}">
+                <a16:creationId xmlns:a16="http://schemas.microsoft.com/office/drawing/2014/main" id="{874C61B0-AF60-4160-8F58-9103CE276EE8}"/>
+              </a:ext>
+            </a:extLst>
+          </p:cNvPr>
+          <p:cNvSpPr txBox="1"/>
+          <p:nvPr/>
+        </p:nvSpPr>
+        <p:spPr>
+          <a:xfrm>
+            <a:off x="4240575" y="5341091"/>
+            <a:ext cx="2604108" cy="477054"/>
+          </a:xfrm>
+          <a:prstGeom prst="rect">
+            <a:avLst/>
+          </a:prstGeom>
+          <a:noFill/>
+        </p:spPr>
+        <p:txBody>
+          <a:bodyPr wrap="square" rtlCol="0">
+            <a:spAutoFit/>
+          </a:bodyPr>
+          <a:lstStyle/>
+          <a:p>
+            <a:r>
+              <a:rPr lang="en-US" sz="2500" dirty="0"/>
+              <a:t>…	…	…</a:t>
+            </a:r>
+          </a:p>
+        </p:txBody>
+      </p:sp>
+      <p:sp>
+        <p:nvSpPr>
+          <p:cNvPr id="38" name="TextBox 37">
+            <a:extLst>
+              <a:ext uri="{FF2B5EF4-FFF2-40B4-BE49-F238E27FC236}">
+                <a16:creationId xmlns:a16="http://schemas.microsoft.com/office/drawing/2014/main" id="{309A4B9A-A884-4FD9-A3BB-DCAA9F5FF508}"/>
+              </a:ext>
+            </a:extLst>
+          </p:cNvPr>
+          <p:cNvSpPr txBox="1"/>
+          <p:nvPr/>
+        </p:nvSpPr>
+        <p:spPr>
+          <a:xfrm>
+            <a:off x="4240575" y="5707510"/>
+            <a:ext cx="2604108" cy="477054"/>
+          </a:xfrm>
+          <a:prstGeom prst="rect">
+            <a:avLst/>
+          </a:prstGeom>
+          <a:noFill/>
+        </p:spPr>
+        <p:txBody>
+          <a:bodyPr wrap="square" rtlCol="0">
+            <a:spAutoFit/>
+          </a:bodyPr>
+          <a:lstStyle/>
+          <a:p>
+            <a:r>
+              <a:rPr lang="en-US" sz="2500" dirty="0"/>
+              <a:t>…	…	…</a:t>
+            </a:r>
+          </a:p>
+        </p:txBody>
+      </p:sp>
+      <p:pic>
+        <p:nvPicPr>
+          <p:cNvPr id="39" name="Picture 38">
+            <a:extLst>
+              <a:ext uri="{FF2B5EF4-FFF2-40B4-BE49-F238E27FC236}">
+                <a16:creationId xmlns:a16="http://schemas.microsoft.com/office/drawing/2014/main" id="{4B4E6B3F-56D0-459A-B41D-233C6CE7A334}"/>
+              </a:ext>
+            </a:extLst>
+          </p:cNvPr>
+          <p:cNvPicPr>
+            <a:picLocks noChangeAspect="1"/>
+          </p:cNvPicPr>
+          <p:nvPr/>
+        </p:nvPicPr>
+        <p:blipFill>
+          <a:blip r:embed="rId4" cstate="print">
+            <a:extLst>
+              <a:ext uri="{28A0092B-C50C-407E-A947-70E740481C1C}">
+                <a14:useLocalDpi xmlns:a14="http://schemas.microsoft.com/office/drawing/2010/main" val="0"/>
+              </a:ext>
+            </a:extLst>
+          </a:blip>
+          <a:stretch>
+            <a:fillRect/>
+          </a:stretch>
+        </p:blipFill>
+        <p:spPr>
+          <a:xfrm>
+            <a:off x="7378317" y="4968314"/>
+            <a:ext cx="3765400" cy="1348871"/>
+          </a:xfrm>
+          <a:prstGeom prst="rect">
+            <a:avLst/>
+          </a:prstGeom>
+        </p:spPr>
+      </p:pic>
+    </p:spTree>
+    <p:extLst>
+      <p:ext uri="{BB962C8B-B14F-4D97-AF65-F5344CB8AC3E}">
+        <p14:creationId xmlns:p14="http://schemas.microsoft.com/office/powerpoint/2010/main" val="3775336481"/>
+      </p:ext>
+    </p:extLst>
+  </p:cSld>
+  <p:clrMapOvr>
+    <a:masterClrMapping/>
+  </p:clrMapOvr>
+</p:sld>
+</file>
+
+<file path=ppt/tags/tag1.xml><?xml version="1.0" encoding="utf-8"?>
+<p:tagLst xmlns:a="http://schemas.openxmlformats.org/drawingml/2006/main" xmlns:r="http://schemas.openxmlformats.org/officeDocument/2006/relationships" xmlns:p="http://schemas.openxmlformats.org/presentationml/2006/main">
+  <p:tag name="OUTPUTDPI" val="1200"/>
+  <p:tag name="ORIGINALHEIGHT" val="123.7346"/>
+  <p:tag name="ORIGINALWIDTH" val="681.6648"/>
+  <p:tag name="LATEXADDIN" val="\documentclass{article}&#10;\usepackage{amsmath}&#10;\usepackage[dvipsnames]{xcolor}&#10;\pagestyle{empty}&#10;\begin{document}&#10;\color{NavyBlue}$\ell\ [\ x\ ,\ s\ ,\ t\ ]$&#10;\end{document}"/>
+  <p:tag name="IGUANATEXSIZE" val="28"/>
+  <p:tag name="IGUANATEXCURSOR" val="128"/>
+  <p:tag name="TRANSPARENCY" val="True"/>
+  <p:tag name="FILENAME" val=""/>
+  <p:tag name="LATEXENGINEID" val="0"/>
+  <p:tag name="TEMPFOLDER" val="c:\temp\"/>
+  <p:tag name="LATEXFORMHEIGHT" val="312"/>
+  <p:tag name="LATEXFORMWIDTH" val="384"/>
+  <p:tag name="LATEXFORMWRAP" val="True"/>
+  <p:tag name="BITMAPVECTOR" val="0"/>
+</p:tagLst>
+</file>
+
+<file path=ppt/tags/tag2.xml><?xml version="1.0" encoding="utf-8"?>
+<p:tagLst xmlns:a="http://schemas.openxmlformats.org/drawingml/2006/main" xmlns:r="http://schemas.openxmlformats.org/officeDocument/2006/relationships" xmlns:p="http://schemas.openxmlformats.org/presentationml/2006/main">
+  <p:tag name="OUTPUTDPI" val="1200"/>
+  <p:tag name="ORIGINALHEIGHT" val="123.7346"/>
+  <p:tag name="ORIGINALWIDTH" val="579.6776"/>
+  <p:tag name="LATEXADDIN" val="\documentclass{article}&#10;\usepackage{amsmath}&#10;\usepackage[dvipsnames]{xcolor}&#10;\pagestyle{empty}&#10;\begin{document}&#10;\color{NavyBlue}$IC\ [\ s\ ,\ t\ ]$&#10;\end{document}"/>
+  <p:tag name="IGUANATEXSIZE" val="28"/>
+  <p:tag name="IGUANATEXCURSOR" val="128"/>
+  <p:tag name="TRANSPARENCY" val="True"/>
+  <p:tag name="FILENAME" val=""/>
+  <p:tag name="LATEXENGINEID" val="0"/>
+  <p:tag name="TEMPFOLDER" val="c:\temp\"/>
+  <p:tag name="LATEXFORMHEIGHT" val="312"/>
+  <p:tag name="LATEXFORMWIDTH" val="384"/>
+  <p:tag name="LATEXFORMWRAP" val="True"/>
+  <p:tag name="BITMAPVECTOR" val="0"/>
+</p:tagLst>
+</file>
+
+<file path=ppt/tags/tag3.xml><?xml version="1.0" encoding="utf-8"?>
+<p:tagLst xmlns:a="http://schemas.openxmlformats.org/drawingml/2006/main" xmlns:r="http://schemas.openxmlformats.org/officeDocument/2006/relationships" xmlns:p="http://schemas.openxmlformats.org/presentationml/2006/main">
+  <p:tag name="OUTPUTDPI" val="1200"/>
+  <p:tag name="ORIGINALHEIGHT" val="123.7346"/>
+  <p:tag name="ORIGINALWIDTH" val="2358.455"/>
+  <p:tag name="LATEXADDIN" val="\documentclass{article}&#10;\usepackage{amsmath}&#10;\usepackage[dvipsnames]{xcolor}&#10;\pagestyle{empty}&#10;\begin{document}&#10;\color{NavyBlue}$\forall s, t : BV_n.\ IC[s,t] \iff \exists x : BV_n.\ \ell[x,s,t]$&#10;\end{document}"/>
+  <p:tag name="IGUANATEXSIZE" val="28"/>
+  <p:tag name="IGUANATEXCURSOR" val="180"/>
+  <p:tag name="TRANSPARENCY" val="True"/>
+  <p:tag name="FILENAME" val=""/>
+  <p:tag name="LATEXENGINEID" val="0"/>
+  <p:tag name="TEMPFOLDER" val="c:\temp\"/>
+  <p:tag name="LATEXFORMHEIGHT" val="312"/>
+  <p:tag name="LATEXFORMWIDTH" val="384"/>
+  <p:tag name="LATEXFORMWRAP" val="True"/>
+  <p:tag name="BITMAPVECTOR" val="0"/>
+</p:tagLst>
+</file>
+
+<file path=ppt/tags/tag4.xml><?xml version="1.0" encoding="utf-8"?>
+<p:tagLst xmlns:a="http://schemas.openxmlformats.org/drawingml/2006/main" xmlns:r="http://schemas.openxmlformats.org/officeDocument/2006/relationships" xmlns:p="http://schemas.openxmlformats.org/presentationml/2006/main">
+  <p:tag name="OUTPUTDPI" val="1200"/>
+  <p:tag name="ORIGINALHEIGHT" val="2235.47"/>
+  <p:tag name="ORIGINALWIDTH" val="2664.417"/>
+  <p:tag name="LATEXADDIN" val="\documentclass{article}&#10;\usepackage{amsmath}&#10;\usepackage[dvipsnames]{xcolor}&#10;\usepackage{xspace}&#10;\usepackage{pifont}&#10;\usepackage{amssymb}&#10;\pagestyle{empty}&#10;\begin{document}&#10;\begin{table}&#10;\begin{center}&#10;{%&#10;  \renewcommand{\arraystretch}{1.2}%&#10;  \begin{tabular}{r@{\hspace{2.0em}}c@{\hspace{1.0em}}c@{\hspace{1.5em}}c@{\hspace{1.0em}}c@{\hspace{1.5em}}c@{\hspace{1.0em}}c}&#10;    \hline&#10;    \\[-2.5ex]&#10;    $\ell[x]$ &amp; $=$ &amp; $\not =$ &amp; $&lt;_u$ &amp; $&gt;_u$ &amp; $\leq_u$ &amp; $\geq_u$&#10;    \\[.5ex]&#10;    \hline&#10;    \\[-2.5ex]&#10;    $- x \bowtie t$ &amp; \color{Blue}{$\checkmark$}\nolinebreak\kern-0.7em\xspace\color{OliveGreen}{$\checkmark$} &amp; \color{OliveGreen}{$\checkmark$} &amp; \color{OliveGreen}{$\checkmark$} &amp; \color{OliveGreen}{$\checkmark$}  &#10;     &amp; \color{OliveGreen}{$\checkmark$} &amp; \color{OliveGreen}{$\checkmark$} \\&#10;    $\sim x  \bowtie t$ &amp; \color{Blue}{$\checkmark$}\nolinebreak\kern-0.7em\xspace\color{OliveGreen}{$\checkmark$} &amp; \color{OliveGreen}{$\checkmark$} &amp; \color{OliveGreen}{$\checkmark$} &amp; \color{OliveGreen}{$\checkmark$}  &#10;     &amp; \color{OliveGreen}{$\checkmark$} &amp; \color{OliveGreen}{$\checkmark$}  \\&#10;    $x\ \&amp;\ s \bowtie t$ &amp; \color{Blue}{$\checkmark$} &amp; \color{OliveGreen}{$\checkmark$} &amp; \color{OliveGreen}{$\checkmark$} &amp; \color{OliveGreen}{$\checkmark$}  &#10;     &amp; \color{OliveGreen}{$\checkmark$} &amp; \color{OliveGreen}{$\checkmark$} \\&#10;    $x \mid s   \bowtie t$ &amp; \color{Blue}{$\checkmark$} &amp; \color{OliveGreen}{$\checkmark$} &amp; \color{OliveGreen}{$\checkmark$} &amp; \color{OliveGreen}{$\checkmark$} &#10;     &amp; \color{OliveGreen}{$\checkmark$} &amp; \color{OliveGreen}{$\checkmark$} \\&#10;    $x \mathop{&lt;\kern-.3em&lt;} s  \bowtie t$ &amp; \color{Blue}{$\checkmark$} &amp; \color{Blue}{$\checkmark$} &amp; \color{OliveGreen}{$\checkmark$} &amp; \color{Blue}{$\checkmark$}   &#10;     &amp; \color{OliveGreen}{$\checkmark$} &amp; \color{Blue}{$\checkmark$} \\&#10;    $s \mathop{&lt;\kern-.3em&lt;} x  \bowtie t$ &amp; \color{Blue}{$\checkmark$}\nolinebreak\kern-0.7em\xspace\color{OliveGreen}{$\checkmark$} &amp; \color{OliveGreen}{$\checkmark$} &amp; \color{OliveGreen}{$\checkmark$} &amp; \color{OliveGreen}{$\checkmark$} &#10;     &amp; \color{OliveGreen}{$\checkmark$} &amp; \color{OliveGreen}{$\checkmark$} \\&#10;    $x \mathop{&gt;\kern-.3em&gt;} s \bowtie t$ &amp; \color{Blue}{$\checkmark$}\nolinebreak\kern-0.7em\xspace\color{OliveGreen}{$\checkmark$} &amp; \color{OliveGreen}{$\checkmark$} &amp; \color{OliveGreen}{$\checkmark$} &amp; \color{red}\ding{53} &#10;     &amp; \color{OliveGreen}{$\checkmark$} &amp; \color{OliveGreen}{$\checkmark$} \\&#10;    $s \mathop{&gt;\kern-.3em&gt;} x \bowtie t$ &amp; \color{Blue}{$\checkmark$}\nolinebreak\kern-0.7em\xspace\color{OliveGreen}{$\checkmark$} &amp; \color{OliveGreen}{$\checkmark$} &amp; \color{OliveGreen}{$\checkmark$} &amp; \color{OliveGreen}{$\checkmark$} &#10;     &amp; \color{OliveGreen}{$\checkmark$} &amp; \color{OliveGreen}{$\checkmark$} \\&#10;    $x \mathop{&gt;\kern-.3em&gt;_a} s \bowtie t$ &amp; \color{Blue}{$\checkmark$} &amp; \color{OliveGreen}{$\checkmark$} &amp; \color{OliveGreen}{$\checkmark$} &amp; \color{OliveGreen}{$\checkmark$} &#10;     &amp; \color{OliveGreen}{$\checkmark$} &amp; \color{OliveGreen}{$\checkmark$} \\&#10;    $s \mathop{&gt;\kern-.3em&gt;_a} x \bowtie t$ &amp; \color{Blue}{$\checkmark$}\nolinebreak\kern-0.7em\xspace\color{OliveGreen}{$\checkmark$} &amp; \color{OliveGreen}{$\checkmark$} &amp; \color{Blue}{$\checkmark$} &amp; \color{Blue}{$\checkmark$}  &#10;     &amp; \color{Blue}{$\checkmark$} &amp; \color{Blue}{$\checkmark$} \\&#10;    $x + s   \bowtie t$ &amp; \color{Blue}{$\checkmark$}\nolinebreak\kern-0.7em\xspace\color{OliveGreen}{$\checkmark$} &amp; \color{OliveGreen}{$\checkmark$} &amp; \color{OliveGreen}{$\checkmark$} &amp; \color{OliveGreen}{$\checkmark$} &#10;     &amp; \color{OliveGreen}{$\checkmark$} &amp; \color{OliveGreen}{$\checkmark$} \\&#10;  \end{tabular}%&#10;}&#10;\end{center}&#10;\end{table} &#10;\end{document}"/>
+  <p:tag name="IGUANATEXSIZE" val="28"/>
+  <p:tag name="IGUANATEXCURSOR" val="3672"/>
+  <p:tag name="TRANSPARENCY" val="True"/>
+  <p:tag name="FILENAME" val=""/>
+  <p:tag name="LATEXENGINEID" val="0"/>
+  <p:tag name="TEMPFOLDER" val="c:\temp\"/>
+  <p:tag name="LATEXFORMHEIGHT" val="312"/>
+  <p:tag name="LATEXFORMWIDTH" val="384"/>
+  <p:tag name="LATEXFORMWRAP" val="True"/>
+  <p:tag name="BITMAPVECTOR" val="0"/>
+</p:tagLst>
+</file>
+
+<file path=ppt/tags/tag5.xml><?xml version="1.0" encoding="utf-8"?>
+<p:tagLst xmlns:a="http://schemas.openxmlformats.org/drawingml/2006/main" xmlns:r="http://schemas.openxmlformats.org/officeDocument/2006/relationships" xmlns:p="http://schemas.openxmlformats.org/presentationml/2006/main">
+  <p:tag name="OUTPUTDPI" val="1200"/>
+  <p:tag name="ORIGINALHEIGHT" val="3122.61"/>
+  <p:tag name="ORIGINALWIDTH" val="3950.506"/>
+  <p:tag name="LATEXADDIN" val="\documentclass{article}&#10;\usepackage{amsmath}&#10;\usepackage[dvipsnames]{xcolor}&#10;\usepackage{xspace}&#10;\usepackage{pifont}&#10;\usepackage{amssymb}&#10;\pagestyle{empty}&#10;\begin{document}&#10;\begin{table}&#10;\begin{center}&#10;{%&#10;  \renewcommand{\arraystretch}{1.2}%&#10;  \begin{tabular}{r@{\hspace{2.0em}}c@{\hspace{1.0em}}c@{\hspace{1.5em}}c@{\hspace{1.0em}}c@{\hspace{1.5em}}c@{\hspace{1.0em}}c@{\hspace{1.5em}}c@{\hspace{1.0em}}c@{\hspace{1.5em}}c@{\hspace{1.0em}}c}&#10;    \hline&#10;    \\[-2.5ex]&#10;    $\ell[x]$ &amp; $=$ &amp; $\not =$ &amp; $&lt;_u$ &amp; $&gt;_u$ &amp; $\leq_u$ &amp; $\geq_u$ &amp; $&lt;_s$ &amp; $&gt;_s$ &amp; $\leq_s$ &amp; $\geq_s$&#10;    \\[.5ex]&#10;    \hline&#10;    \\[-2.5ex]&#10;    $- x \bowtie t$ &amp; \color{Blue}{$\checkmark$}\nolinebreak\kern-0.7em\xspace\color{OliveGreen}{$\checkmark$} &amp; \color{OliveGreen}{$\checkmark$} &amp; \color{OliveGreen}{$\checkmark$} &amp; \color{OliveGreen}{$\checkmark$}&#10;     &amp; \color{OliveGreen}{$\checkmark$} &amp; \color{OliveGreen}{$\checkmark$} &amp; &amp; &amp; &amp;\\&#10;    $\sim x  \bowtie t$ &amp; \color{Blue}{$\checkmark$}\nolinebreak\kern-0.7em\xspace\color{OliveGreen}{$\checkmark$} &amp; \color{OliveGreen}{$\checkmark$} &amp; \color{OliveGreen}{$\checkmark$} &amp; \color{OliveGreen}{$\checkmark$}  &#10;     &amp; \color{OliveGreen}{$\checkmark$} &amp; \color{OliveGreen}{$\checkmark$}  &amp; &amp; &amp; &amp;\\&#10;    $x\ \&amp;\ s \bowtie t$ &amp; \color{Blue}{$\checkmark$} &amp; \color{OliveGreen}{$\checkmark$} &amp; \color{OliveGreen}{$\checkmark$} &amp; \color{OliveGreen}{$\checkmark$}  &#10;     &amp; \color{OliveGreen}{$\checkmark$} &amp; \color{OliveGreen}{$\checkmark$} &amp; &amp; &amp; &amp;\\&#10;    $x \mid s   \bowtie t$ &amp; \color{Blue}{$\checkmark$} &amp; \color{OliveGreen}{$\checkmark$} &amp; \color{OliveGreen}{$\checkmark$} &amp; \color{OliveGreen}{$\checkmark$} &#10;     &amp; \color{OliveGreen}{$\checkmark$} &amp; \color{OliveGreen}{$\checkmark$} \\&#10;    $x \mathop{&lt;\kern-.3em&lt;} s  \bowtie t$ &amp; \color{Blue}{$\checkmark$} &amp; \color{Blue}{$\checkmark$} &amp; \color{OliveGreen}{$\checkmark$} &amp; \color{Blue}{$\checkmark$}   &#10;     &amp; \color{OliveGreen}{$\checkmark$} &amp; \color{Blue}{$\checkmark$} &amp; &amp; &amp; &amp;\\&#10;    $s \mathop{&lt;\kern-.3em&lt;} x  \bowtie t$ &amp; \color{Blue}{$\checkmark$}\nolinebreak\kern-0.7em\xspace\color{OliveGreen}{$\checkmark$} &amp; \color{OliveGreen}{$\checkmark$} &amp; \color{OliveGreen}{$\checkmark$} &amp; \color{OliveGreen}{$\checkmark$} &#10;     &amp; \color{OliveGreen}{$\checkmark$} &amp; \color{OliveGreen}{$\checkmark$} &amp; &amp; &amp; &amp;\\&#10;    $x \mathop{&gt;\kern-.3em&gt;} s \bowtie t$ &amp; \color{Blue}{$\checkmark$}\nolinebreak\kern-0.7em\xspace\color{OliveGreen}{$\checkmark$} &amp; \color{OliveGreen}{$\checkmark$} &amp; \color{OliveGreen}{$\checkmark$} &amp; \color{red}\ding{53} &#10;     &amp; \color{OliveGreen}{$\checkmark$} &amp; \color{OliveGreen}{$\checkmark$} &amp; &amp; &amp; &amp;\\&#10;    $s \mathop{&gt;\kern-.3em&gt;} x \bowtie t$ &amp; \color{Blue}{$\checkmark$}\nolinebreak\kern-0.7em\xspace\color{OliveGreen}{$\checkmark$} &amp; \color{OliveGreen}{$\checkmark$} &amp; \color{OliveGreen}{$\checkmark$} &amp; \color{OliveGreen}{$\checkmark$} &#10;     &amp; \color{OliveGreen}{$\checkmark$} &amp; \color{OliveGreen}{$\checkmark$} &amp; &amp; &amp; &amp;\\&#10;    $x \mathop{&gt;\kern-.3em&gt;_a} s \bowtie t$ &amp; \color{Blue}{$\checkmark$} &amp; \color{OliveGreen}{$\checkmark$} &amp; \color{OliveGreen}{$\checkmark$} &amp; \color{OliveGreen}{$\checkmark$} &#10;     &amp; \color{OliveGreen}{$\checkmark$} &amp; \color{OliveGreen}{$\checkmark$} &amp; &amp; &amp; &amp;\\&#10;    $s \mathop{&gt;\kern-.3em&gt;_a} x \bowtie t$ &amp; \color{Blue}{$\checkmark$}\nolinebreak\kern-0.7em\xspace\color{OliveGreen}{$\checkmark$} &amp; \color{OliveGreen}{$\checkmark$} &amp; \color{Blue}{$\checkmark$} &amp; \color{Blue}{$\checkmark$}  &#10;     &amp; \color{Blue}{$\checkmark$} &amp; \color{Blue}{$\checkmark$} &amp; &amp; &amp; &amp;\\&#10;    $x + s   \bowtie t$ &amp; \color{Blue}{$\checkmark$}\nolinebreak\kern-0.7em\xspace\color{OliveGreen}{$\checkmark$} &amp; \color{OliveGreen}{$\checkmark$} &amp; \color{OliveGreen}{$\checkmark$} &amp; \color{OliveGreen}{$\checkmark$} &#10;     &amp; \color{OliveGreen}{$\checkmark$} &amp; \color{OliveGreen}{$\checkmark$} &amp; &amp; &amp; &amp; \\&#10; $x \cdot s   \bowtie t$ &amp; \color{Blue} &amp;  &amp;  &amp;  &amp;  &amp;  &amp;  &amp;  &amp;  &amp;  \\&#10; $x \text{ div } s   \bowtie t$ &amp; \color{Blue} &amp;  &amp;  &amp;  &amp;  &amp;  &amp;  &amp;  &amp;  &amp;  \\&#10; $s \text{ div } x   \bowtie t$ &amp; \color{Blue} &amp;  &amp;  &amp;  &amp;  &amp;  &amp;  &amp;  &amp;  &amp;  \\&#10; $x \text{ mod } s   \bowtie t$ &amp; \color{Blue} &amp;  &amp;  &amp;  &amp;  &amp;  &amp;  &amp;  &amp;  &amp;  \\&#10; $s \text{ mod } x   \bowtie t$ &amp; \color{Blue} &amp;  &amp;  &amp;  &amp;  &amp;  &amp;  &amp;  &amp;  &amp;  \\&#10;  \end{tabular}%&#10;}&#10;\end{center}&#10;\end{table} &#10;\end{document}"/>
+  <p:tag name="IGUANATEXSIZE" val="28"/>
+  <p:tag name="IGUANATEXCURSOR" val="4229"/>
+  <p:tag name="TRANSPARENCY" val="True"/>
+  <p:tag name="FILENAME" val=""/>
+  <p:tag name="LATEXENGINEID" val="0"/>
+  <p:tag name="TEMPFOLDER" val="c:\temp\"/>
+  <p:tag name="LATEXFORMHEIGHT" val="312"/>
+  <p:tag name="LATEXFORMWIDTH" val="384"/>
+  <p:tag name="LATEXFORMWRAP" val="True"/>
+  <p:tag name="BITMAPVECTOR" val="0"/>
+</p:tagLst>
 </file>
 
 <file path=ppt/theme/theme1.xml><?xml version="1.0" encoding="utf-8"?>
@@ -5063,4 +6000,299 @@
     </a:ext>
   </a:extLst>
 </a:theme>
+</file>
+
+<file path=ppt/theme/theme2.xml><?xml version="1.0" encoding="utf-8"?>
+<a:theme xmlns:a="http://schemas.openxmlformats.org/drawingml/2006/main" name="Office Theme">
+  <a:themeElements>
+    <a:clrScheme name="Office">
+      <a:dk1>
+        <a:sysClr val="windowText" lastClr="000000"/>
+      </a:dk1>
+      <a:lt1>
+        <a:sysClr val="window" lastClr="FFFFFF"/>
+      </a:lt1>
+      <a:dk2>
+        <a:srgbClr val="44546A"/>
+      </a:dk2>
+      <a:lt2>
+        <a:srgbClr val="E7E6E6"/>
+      </a:lt2>
+      <a:accent1>
+        <a:srgbClr val="4472C4"/>
+      </a:accent1>
+      <a:accent2>
+        <a:srgbClr val="ED7D31"/>
+      </a:accent2>
+      <a:accent3>
+        <a:srgbClr val="A5A5A5"/>
+      </a:accent3>
+      <a:accent4>
+        <a:srgbClr val="FFC000"/>
+      </a:accent4>
+      <a:accent5>
+        <a:srgbClr val="5B9BD5"/>
+      </a:accent5>
+      <a:accent6>
+        <a:srgbClr val="70AD47"/>
+      </a:accent6>
+      <a:hlink>
+        <a:srgbClr val="0563C1"/>
+      </a:hlink>
+      <a:folHlink>
+        <a:srgbClr val="954F72"/>
+      </a:folHlink>
+    </a:clrScheme>
+    <a:fontScheme name="Office">
+      <a:majorFont>
+        <a:latin typeface="Calibri Light" panose="020F0302020204030204"/>
+        <a:ea typeface=""/>
+        <a:cs typeface=""/>
+        <a:font script="Jpan" typeface="游ゴシック Light"/>
+        <a:font script="Hang" typeface="맑은 고딕"/>
+        <a:font script="Hans" typeface="等线 Light"/>
+        <a:font script="Hant" typeface="新細明體"/>
+        <a:font script="Arab" typeface="Times New Roman"/>
+        <a:font script="Hebr" typeface="Times New Roman"/>
+        <a:font script="Thai" typeface="Angsana New"/>
+        <a:font script="Ethi" typeface="Nyala"/>
+        <a:font script="Beng" typeface="Vrinda"/>
+        <a:font script="Gujr" typeface="Shruti"/>
+        <a:font script="Khmr" typeface="MoolBoran"/>
+        <a:font script="Knda" typeface="Tunga"/>
+        <a:font script="Guru" typeface="Raavi"/>
+        <a:font script="Cans" typeface="Euphemia"/>
+        <a:font script="Cher" typeface="Plantagenet Cherokee"/>
+        <a:font script="Yiii" typeface="Microsoft Yi Baiti"/>
+        <a:font script="Tibt" typeface="Microsoft Himalaya"/>
+        <a:font script="Thaa" typeface="MV Boli"/>
+        <a:font script="Deva" typeface="Mangal"/>
+        <a:font script="Telu" typeface="Gautami"/>
+        <a:font script="Taml" typeface="Latha"/>
+        <a:font script="Syrc" typeface="Estrangelo Edessa"/>
+        <a:font script="Orya" typeface="Kalinga"/>
+        <a:font script="Mlym" typeface="Kartika"/>
+        <a:font script="Laoo" typeface="DokChampa"/>
+        <a:font script="Sinh" typeface="Iskoola Pota"/>
+        <a:font script="Mong" typeface="Mongolian Baiti"/>
+        <a:font script="Viet" typeface="Times New Roman"/>
+        <a:font script="Uigh" typeface="Microsoft Uighur"/>
+        <a:font script="Geor" typeface="Sylfaen"/>
+        <a:font script="Armn" typeface="Arial"/>
+        <a:font script="Bugi" typeface="Leelawadee UI"/>
+        <a:font script="Bopo" typeface="Microsoft JhengHei"/>
+        <a:font script="Java" typeface="Javanese Text"/>
+        <a:font script="Lisu" typeface="Segoe UI"/>
+        <a:font script="Mymr" typeface="Myanmar Text"/>
+        <a:font script="Nkoo" typeface="Ebrima"/>
+        <a:font script="Olck" typeface="Nirmala UI"/>
+        <a:font script="Osma" typeface="Ebrima"/>
+        <a:font script="Phag" typeface="Phagspa"/>
+        <a:font script="Syrn" typeface="Estrangelo Edessa"/>
+        <a:font script="Syrj" typeface="Estrangelo Edessa"/>
+        <a:font script="Syre" typeface="Estrangelo Edessa"/>
+        <a:font script="Sora" typeface="Nirmala UI"/>
+        <a:font script="Tale" typeface="Microsoft Tai Le"/>
+        <a:font script="Talu" typeface="Microsoft New Tai Lue"/>
+        <a:font script="Tfng" typeface="Ebrima"/>
+      </a:majorFont>
+      <a:minorFont>
+        <a:latin typeface="Calibri" panose="020F0502020204030204"/>
+        <a:ea typeface=""/>
+        <a:cs typeface=""/>
+        <a:font script="Jpan" typeface="游ゴシック"/>
+        <a:font script="Hang" typeface="맑은 고딕"/>
+        <a:font script="Hans" typeface="等线"/>
+        <a:font script="Hant" typeface="新細明體"/>
+        <a:font script="Arab" typeface="Arial"/>
+        <a:font script="Hebr" typeface="Arial"/>
+        <a:font script="Thai" typeface="Cordia New"/>
+        <a:font script="Ethi" typeface="Nyala"/>
+        <a:font script="Beng" typeface="Vrinda"/>
+        <a:font script="Gujr" typeface="Shruti"/>
+        <a:font script="Khmr" typeface="DaunPenh"/>
+        <a:font script="Knda" typeface="Tunga"/>
+        <a:font script="Guru" typeface="Raavi"/>
+        <a:font script="Cans" typeface="Euphemia"/>
+        <a:font script="Cher" typeface="Plantagenet Cherokee"/>
+        <a:font script="Yiii" typeface="Microsoft Yi Baiti"/>
+        <a:font script="Tibt" typeface="Microsoft Himalaya"/>
+        <a:font script="Thaa" typeface="MV Boli"/>
+        <a:font script="Deva" typeface="Mangal"/>
+        <a:font script="Telu" typeface="Gautami"/>
+        <a:font script="Taml" typeface="Latha"/>
+        <a:font script="Syrc" typeface="Estrangelo Edessa"/>
+        <a:font script="Orya" typeface="Kalinga"/>
+        <a:font script="Mlym" typeface="Kartika"/>
+        <a:font script="Laoo" typeface="DokChampa"/>
+        <a:font script="Sinh" typeface="Iskoola Pota"/>
+        <a:font script="Mong" typeface="Mongolian Baiti"/>
+        <a:font script="Viet" typeface="Arial"/>
+        <a:font script="Uigh" typeface="Microsoft Uighur"/>
+        <a:font script="Geor" typeface="Sylfaen"/>
+        <a:font script="Armn" typeface="Arial"/>
+        <a:font script="Bugi" typeface="Leelawadee UI"/>
+        <a:font script="Bopo" typeface="Microsoft JhengHei"/>
+        <a:font script="Java" typeface="Javanese Text"/>
+        <a:font script="Lisu" typeface="Segoe UI"/>
+        <a:font script="Mymr" typeface="Myanmar Text"/>
+        <a:font script="Nkoo" typeface="Ebrima"/>
+        <a:font script="Olck" typeface="Nirmala UI"/>
+        <a:font script="Osma" typeface="Ebrima"/>
+        <a:font script="Phag" typeface="Phagspa"/>
+        <a:font script="Syrn" typeface="Estrangelo Edessa"/>
+        <a:font script="Syrj" typeface="Estrangelo Edessa"/>
+        <a:font script="Syre" typeface="Estrangelo Edessa"/>
+        <a:font script="Sora" typeface="Nirmala UI"/>
+        <a:font script="Tale" typeface="Microsoft Tai Le"/>
+        <a:font script="Talu" typeface="Microsoft New Tai Lue"/>
+        <a:font script="Tfng" typeface="Ebrima"/>
+      </a:minorFont>
+    </a:fontScheme>
+    <a:fmtScheme name="Office">
+      <a:fillStyleLst>
+        <a:solidFill>
+          <a:schemeClr val="phClr"/>
+        </a:solidFill>
+        <a:gradFill rotWithShape="1">
+          <a:gsLst>
+            <a:gs pos="0">
+              <a:schemeClr val="phClr">
+                <a:lumMod val="110000"/>
+                <a:satMod val="105000"/>
+                <a:tint val="67000"/>
+              </a:schemeClr>
+            </a:gs>
+            <a:gs pos="50000">
+              <a:schemeClr val="phClr">
+                <a:lumMod val="105000"/>
+                <a:satMod val="103000"/>
+                <a:tint val="73000"/>
+              </a:schemeClr>
+            </a:gs>
+            <a:gs pos="100000">
+              <a:schemeClr val="phClr">
+                <a:lumMod val="105000"/>
+                <a:satMod val="109000"/>
+                <a:tint val="81000"/>
+              </a:schemeClr>
+            </a:gs>
+          </a:gsLst>
+          <a:lin ang="5400000" scaled="0"/>
+        </a:gradFill>
+        <a:gradFill rotWithShape="1">
+          <a:gsLst>
+            <a:gs pos="0">
+              <a:schemeClr val="phClr">
+                <a:satMod val="103000"/>
+                <a:lumMod val="102000"/>
+                <a:tint val="94000"/>
+              </a:schemeClr>
+            </a:gs>
+            <a:gs pos="50000">
+              <a:schemeClr val="phClr">
+                <a:satMod val="110000"/>
+                <a:lumMod val="100000"/>
+                <a:shade val="100000"/>
+              </a:schemeClr>
+            </a:gs>
+            <a:gs pos="100000">
+              <a:schemeClr val="phClr">
+                <a:lumMod val="99000"/>
+                <a:satMod val="120000"/>
+                <a:shade val="78000"/>
+              </a:schemeClr>
+            </a:gs>
+          </a:gsLst>
+          <a:lin ang="5400000" scaled="0"/>
+        </a:gradFill>
+      </a:fillStyleLst>
+      <a:lnStyleLst>
+        <a:ln w="6350" cap="flat" cmpd="sng" algn="ctr">
+          <a:solidFill>
+            <a:schemeClr val="phClr"/>
+          </a:solidFill>
+          <a:prstDash val="solid"/>
+          <a:miter lim="800000"/>
+        </a:ln>
+        <a:ln w="12700" cap="flat" cmpd="sng" algn="ctr">
+          <a:solidFill>
+            <a:schemeClr val="phClr"/>
+          </a:solidFill>
+          <a:prstDash val="solid"/>
+          <a:miter lim="800000"/>
+        </a:ln>
+        <a:ln w="19050" cap="flat" cmpd="sng" algn="ctr">
+          <a:solidFill>
+            <a:schemeClr val="phClr"/>
+          </a:solidFill>
+          <a:prstDash val="solid"/>
+          <a:miter lim="800000"/>
+        </a:ln>
+      </a:lnStyleLst>
+      <a:effectStyleLst>
+        <a:effectStyle>
+          <a:effectLst/>
+        </a:effectStyle>
+        <a:effectStyle>
+          <a:effectLst/>
+        </a:effectStyle>
+        <a:effectStyle>
+          <a:effectLst>
+            <a:outerShdw blurRad="57150" dist="19050" dir="5400000" algn="ctr" rotWithShape="0">
+              <a:srgbClr val="000000">
+                <a:alpha val="63000"/>
+              </a:srgbClr>
+            </a:outerShdw>
+          </a:effectLst>
+        </a:effectStyle>
+      </a:effectStyleLst>
+      <a:bgFillStyleLst>
+        <a:solidFill>
+          <a:schemeClr val="phClr"/>
+        </a:solidFill>
+        <a:solidFill>
+          <a:schemeClr val="phClr">
+            <a:tint val="95000"/>
+            <a:satMod val="170000"/>
+          </a:schemeClr>
+        </a:solidFill>
+        <a:gradFill rotWithShape="1">
+          <a:gsLst>
+            <a:gs pos="0">
+              <a:schemeClr val="phClr">
+                <a:tint val="93000"/>
+                <a:satMod val="150000"/>
+                <a:shade val="98000"/>
+                <a:lumMod val="102000"/>
+              </a:schemeClr>
+            </a:gs>
+            <a:gs pos="50000">
+              <a:schemeClr val="phClr">
+                <a:tint val="98000"/>
+                <a:satMod val="130000"/>
+                <a:shade val="90000"/>
+                <a:lumMod val="103000"/>
+              </a:schemeClr>
+            </a:gs>
+            <a:gs pos="100000">
+              <a:schemeClr val="phClr">
+                <a:shade val="63000"/>
+                <a:satMod val="120000"/>
+              </a:schemeClr>
+            </a:gs>
+          </a:gsLst>
+          <a:lin ang="5400000" scaled="0"/>
+        </a:gradFill>
+      </a:bgFillStyleLst>
+    </a:fmtScheme>
+  </a:themeElements>
+  <a:objectDefaults/>
+  <a:extraClrSchemeLst/>
+  <a:extLst>
+    <a:ext uri="{05A4C25C-085E-4340-85A3-A5531E510DB2}">
+      <thm15:themeFamily xmlns:thm15="http://schemas.microsoft.com/office/thememl/2012/main" name="Office Theme" id="{62F939B6-93AF-4DB8-9C6B-D6C7DFDC589F}" vid="{4A3C46E8-61CC-4603-A589-7422A47A8E4A}"/>
+    </a:ext>
+  </a:extLst>
+</a:theme>
 </file>
--- a/FMCAD Presentation.pptx
+++ b/FMCAD Presentation.pptx
@@ -5,15 +5,16 @@
     <p:sldMasterId id="2147483660" r:id="rId1"/>
   </p:sldMasterIdLst>
   <p:notesMasterIdLst>
-    <p:notesMasterId r:id="rId8"/>
+    <p:notesMasterId r:id="rId9"/>
   </p:notesMasterIdLst>
   <p:sldIdLst>
     <p:sldId id="256" r:id="rId2"/>
     <p:sldId id="257" r:id="rId3"/>
-    <p:sldId id="258" r:id="rId4"/>
-    <p:sldId id="260" r:id="rId5"/>
-    <p:sldId id="259" r:id="rId6"/>
-    <p:sldId id="261" r:id="rId7"/>
+    <p:sldId id="260" r:id="rId4"/>
+    <p:sldId id="262" r:id="rId5"/>
+    <p:sldId id="258" r:id="rId6"/>
+    <p:sldId id="259" r:id="rId7"/>
+    <p:sldId id="261" r:id="rId8"/>
   </p:sldIdLst>
   <p:sldSz cx="12192000" cy="6858000"/>
   <p:notesSz cx="6858000" cy="9144000"/>
@@ -123,297 +124,10 @@
 <file path=ppt/revisionInfo.xml><?xml version="1.0" encoding="utf-8"?>
 <p1510:revInfo xmlns:a="http://schemas.openxmlformats.org/drawingml/2006/main" xmlns:r="http://schemas.openxmlformats.org/officeDocument/2006/relationships" xmlns:p1510="http://schemas.microsoft.com/office/powerpoint/2015/10/main">
   <p1510:revLst>
-    <p1510:client id="{7E80DDF6-FC5B-AAAF-8823-A57150779294}" v="1305" dt="2019-09-27T23:45:30.261"/>
+    <p1510:client id="{BDADA2DD-3D8F-B4E3-FDB3-8E9D831B0CAA}" v="36" dt="2019-10-08T22:28:54.517"/>
+    <p1510:client id="{7B6C28CE-2296-3D47-A583-3889B6B362C1}" v="8" dt="2019-10-08T22:32:05.245"/>
   </p1510:revLst>
 </p1510:revInfo>
-</file>
-
-<file path=ppt/changesInfos/changesInfo1.xml><?xml version="1.0" encoding="utf-8"?>
-<pc:chgInfo xmlns:a="http://schemas.openxmlformats.org/drawingml/2006/main" xmlns:r="http://schemas.openxmlformats.org/officeDocument/2006/relationships" xmlns:ac="http://schemas.microsoft.com/office/drawing/2013/main/command" xmlns:pc="http://schemas.microsoft.com/office/powerpoint/2013/main/command">
-  <pc:docChgLst>
-    <pc:chgData name="Viswanathan, Arjun" userId="S::viswanathn@uiowa.edu::eb902a6c-57da-49b5-b5cf-fcd1835429ce" providerId="AD" clId="Web-{7E80DDF6-FC5B-AAAF-8823-A57150779294}"/>
-    <pc:docChg chg="addSld delSld modSld">
-      <pc:chgData name="Viswanathan, Arjun" userId="S::viswanathn@uiowa.edu::eb902a6c-57da-49b5-b5cf-fcd1835429ce" providerId="AD" clId="Web-{7E80DDF6-FC5B-AAAF-8823-A57150779294}" dt="2019-09-27T23:45:30.261" v="1298" actId="20577"/>
-      <pc:docMkLst>
-        <pc:docMk/>
-      </pc:docMkLst>
-      <pc:sldChg chg="addSp modSp del">
-        <pc:chgData name="Viswanathan, Arjun" userId="S::viswanathn@uiowa.edu::eb902a6c-57da-49b5-b5cf-fcd1835429ce" providerId="AD" clId="Web-{7E80DDF6-FC5B-AAAF-8823-A57150779294}" dt="2019-09-27T22:59:19.665" v="2"/>
-        <pc:sldMkLst>
-          <pc:docMk/>
-          <pc:sldMk cId="109857222" sldId="256"/>
-        </pc:sldMkLst>
-        <pc:spChg chg="add mod">
-          <ac:chgData name="Viswanathan, Arjun" userId="S::viswanathn@uiowa.edu::eb902a6c-57da-49b5-b5cf-fcd1835429ce" providerId="AD" clId="Web-{7E80DDF6-FC5B-AAAF-8823-A57150779294}" dt="2019-09-27T22:59:07.258" v="1"/>
-          <ac:spMkLst>
-            <pc:docMk/>
-            <pc:sldMk cId="109857222" sldId="256"/>
-            <ac:spMk id="4" creationId="{02BF39D8-D506-4F52-A736-E2C7DE67954A}"/>
-          </ac:spMkLst>
-        </pc:spChg>
-      </pc:sldChg>
-      <pc:sldChg chg="addSp delSp modSp new">
-        <pc:chgData name="Viswanathan, Arjun" userId="S::viswanathn@uiowa.edu::eb902a6c-57da-49b5-b5cf-fcd1835429ce" providerId="AD" clId="Web-{7E80DDF6-FC5B-AAAF-8823-A57150779294}" dt="2019-09-27T22:59:58.899" v="10" actId="20577"/>
-        <pc:sldMkLst>
-          <pc:docMk/>
-          <pc:sldMk cId="3319699259" sldId="256"/>
-        </pc:sldMkLst>
-        <pc:spChg chg="del">
-          <ac:chgData name="Viswanathan, Arjun" userId="S::viswanathn@uiowa.edu::eb902a6c-57da-49b5-b5cf-fcd1835429ce" providerId="AD" clId="Web-{7E80DDF6-FC5B-AAAF-8823-A57150779294}" dt="2019-09-27T22:59:47.696" v="4"/>
-          <ac:spMkLst>
-            <pc:docMk/>
-            <pc:sldMk cId="3319699259" sldId="256"/>
-            <ac:spMk id="2" creationId="{EAE8FB72-BE21-4878-B333-EED127DECF9A}"/>
-          </ac:spMkLst>
-        </pc:spChg>
-        <pc:spChg chg="del">
-          <ac:chgData name="Viswanathan, Arjun" userId="S::viswanathn@uiowa.edu::eb902a6c-57da-49b5-b5cf-fcd1835429ce" providerId="AD" clId="Web-{7E80DDF6-FC5B-AAAF-8823-A57150779294}" dt="2019-09-27T22:59:50.899" v="5"/>
-          <ac:spMkLst>
-            <pc:docMk/>
-            <pc:sldMk cId="3319699259" sldId="256"/>
-            <ac:spMk id="3" creationId="{64514E87-2501-4904-8FEC-8325D660394F}"/>
-          </ac:spMkLst>
-        </pc:spChg>
-        <pc:spChg chg="add mod">
-          <ac:chgData name="Viswanathan, Arjun" userId="S::viswanathn@uiowa.edu::eb902a6c-57da-49b5-b5cf-fcd1835429ce" providerId="AD" clId="Web-{7E80DDF6-FC5B-AAAF-8823-A57150779294}" dt="2019-09-27T22:59:58.899" v="10" actId="20577"/>
-          <ac:spMkLst>
-            <pc:docMk/>
-            <pc:sldMk cId="3319699259" sldId="256"/>
-            <ac:spMk id="4" creationId="{2C9A8543-20C2-4425-9DAA-5ADCF5958AAC}"/>
-          </ac:spMkLst>
-        </pc:spChg>
-        <pc:spChg chg="add">
-          <ac:chgData name="Viswanathan, Arjun" userId="S::viswanathn@uiowa.edu::eb902a6c-57da-49b5-b5cf-fcd1835429ce" providerId="AD" clId="Web-{7E80DDF6-FC5B-AAAF-8823-A57150779294}" dt="2019-09-27T22:59:52.133" v="6"/>
-          <ac:spMkLst>
-            <pc:docMk/>
-            <pc:sldMk cId="3319699259" sldId="256"/>
-            <ac:spMk id="5" creationId="{38A17765-2A20-4004-A39F-5EDF7378ED9D}"/>
-          </ac:spMkLst>
-        </pc:spChg>
-        <pc:picChg chg="add">
-          <ac:chgData name="Viswanathan, Arjun" userId="S::viswanathn@uiowa.edu::eb902a6c-57da-49b5-b5cf-fcd1835429ce" providerId="AD" clId="Web-{7E80DDF6-FC5B-AAAF-8823-A57150779294}" dt="2019-09-27T22:59:52.133" v="6"/>
-          <ac:picMkLst>
-            <pc:docMk/>
-            <pc:sldMk cId="3319699259" sldId="256"/>
-            <ac:picMk id="6" creationId="{96FDAF6A-710C-4A9C-9BDF-D1E321504FF3}"/>
-          </ac:picMkLst>
-        </pc:picChg>
-        <pc:picChg chg="add">
-          <ac:chgData name="Viswanathan, Arjun" userId="S::viswanathn@uiowa.edu::eb902a6c-57da-49b5-b5cf-fcd1835429ce" providerId="AD" clId="Web-{7E80DDF6-FC5B-AAAF-8823-A57150779294}" dt="2019-09-27T22:59:52.133" v="6"/>
-          <ac:picMkLst>
-            <pc:docMk/>
-            <pc:sldMk cId="3319699259" sldId="256"/>
-            <ac:picMk id="7" creationId="{B3EF76A4-6819-4241-8B25-76D86B51C7DA}"/>
-          </ac:picMkLst>
-        </pc:picChg>
-        <pc:picChg chg="add">
-          <ac:chgData name="Viswanathan, Arjun" userId="S::viswanathn@uiowa.edu::eb902a6c-57da-49b5-b5cf-fcd1835429ce" providerId="AD" clId="Web-{7E80DDF6-FC5B-AAAF-8823-A57150779294}" dt="2019-09-27T22:59:52.133" v="6"/>
-          <ac:picMkLst>
-            <pc:docMk/>
-            <pc:sldMk cId="3319699259" sldId="256"/>
-            <ac:picMk id="8" creationId="{F691716C-F98F-467D-AC92-988469076AAA}"/>
-          </ac:picMkLst>
-        </pc:picChg>
-      </pc:sldChg>
-      <pc:sldChg chg="addSp delSp modSp new">
-        <pc:chgData name="Viswanathan, Arjun" userId="S::viswanathn@uiowa.edu::eb902a6c-57da-49b5-b5cf-fcd1835429ce" providerId="AD" clId="Web-{7E80DDF6-FC5B-AAAF-8823-A57150779294}" dt="2019-09-27T23:41:25.025" v="1262" actId="20577"/>
-        <pc:sldMkLst>
-          <pc:docMk/>
-          <pc:sldMk cId="3574281815" sldId="257"/>
-        </pc:sldMkLst>
-        <pc:spChg chg="mod">
-          <ac:chgData name="Viswanathan, Arjun" userId="S::viswanathn@uiowa.edu::eb902a6c-57da-49b5-b5cf-fcd1835429ce" providerId="AD" clId="Web-{7E80DDF6-FC5B-AAAF-8823-A57150779294}" dt="2019-09-27T23:24:43.780" v="477" actId="20577"/>
-          <ac:spMkLst>
-            <pc:docMk/>
-            <pc:sldMk cId="3574281815" sldId="257"/>
-            <ac:spMk id="2" creationId="{ED22ADE4-FDC2-4A52-A9C8-962B62CD34D2}"/>
-          </ac:spMkLst>
-        </pc:spChg>
-        <pc:spChg chg="mod">
-          <ac:chgData name="Viswanathan, Arjun" userId="S::viswanathn@uiowa.edu::eb902a6c-57da-49b5-b5cf-fcd1835429ce" providerId="AD" clId="Web-{7E80DDF6-FC5B-AAAF-8823-A57150779294}" dt="2019-09-27T23:41:25.025" v="1262" actId="20577"/>
-          <ac:spMkLst>
-            <pc:docMk/>
-            <pc:sldMk cId="3574281815" sldId="257"/>
-            <ac:spMk id="3" creationId="{4AD8F9B0-162E-4290-87F8-403F788F0A43}"/>
-          </ac:spMkLst>
-        </pc:spChg>
-        <pc:picChg chg="add del mod">
-          <ac:chgData name="Viswanathan, Arjun" userId="S::viswanathn@uiowa.edu::eb902a6c-57da-49b5-b5cf-fcd1835429ce" providerId="AD" clId="Web-{7E80DDF6-FC5B-AAAF-8823-A57150779294}" dt="2019-09-27T23:28:44.507" v="707"/>
-          <ac:picMkLst>
-            <pc:docMk/>
-            <pc:sldMk cId="3574281815" sldId="257"/>
-            <ac:picMk id="4" creationId="{C0065D1C-47BA-4BEB-9CCF-73BF8DABFF9B}"/>
-          </ac:picMkLst>
-        </pc:picChg>
-      </pc:sldChg>
-      <pc:sldChg chg="addSp delSp modSp new">
-        <pc:chgData name="Viswanathan, Arjun" userId="S::viswanathn@uiowa.edu::eb902a6c-57da-49b5-b5cf-fcd1835429ce" providerId="AD" clId="Web-{7E80DDF6-FC5B-AAAF-8823-A57150779294}" dt="2019-09-27T23:30:03.320" v="756" actId="20577"/>
-        <pc:sldMkLst>
-          <pc:docMk/>
-          <pc:sldMk cId="4024421741" sldId="258"/>
-        </pc:sldMkLst>
-        <pc:spChg chg="mod">
-          <ac:chgData name="Viswanathan, Arjun" userId="S::viswanathn@uiowa.edu::eb902a6c-57da-49b5-b5cf-fcd1835429ce" providerId="AD" clId="Web-{7E80DDF6-FC5B-AAAF-8823-A57150779294}" dt="2019-09-27T23:30:03.320" v="756" actId="20577"/>
-          <ac:spMkLst>
-            <pc:docMk/>
-            <pc:sldMk cId="4024421741" sldId="258"/>
-            <ac:spMk id="2" creationId="{C2794009-AF9E-4D42-A23A-420C8847CFBE}"/>
-          </ac:spMkLst>
-        </pc:spChg>
-        <pc:spChg chg="del">
-          <ac:chgData name="Viswanathan, Arjun" userId="S::viswanathn@uiowa.edu::eb902a6c-57da-49b5-b5cf-fcd1835429ce" providerId="AD" clId="Web-{7E80DDF6-FC5B-AAAF-8823-A57150779294}" dt="2019-09-27T23:28:49.085" v="708"/>
-          <ac:spMkLst>
-            <pc:docMk/>
-            <pc:sldMk cId="4024421741" sldId="258"/>
-            <ac:spMk id="3" creationId="{530A57CD-1192-4B94-83B5-231FEDFBAA7F}"/>
-          </ac:spMkLst>
-        </pc:spChg>
-        <pc:spChg chg="add del mod">
-          <ac:chgData name="Viswanathan, Arjun" userId="S::viswanathn@uiowa.edu::eb902a6c-57da-49b5-b5cf-fcd1835429ce" providerId="AD" clId="Web-{7E80DDF6-FC5B-AAAF-8823-A57150779294}" dt="2019-09-27T23:29:56.414" v="711"/>
-          <ac:spMkLst>
-            <pc:docMk/>
-            <pc:sldMk cId="4024421741" sldId="258"/>
-            <ac:spMk id="7" creationId="{EAE3300C-3C5E-40E9-B9DA-E695CE4EEDC8}"/>
-          </ac:spMkLst>
-        </pc:spChg>
-        <pc:spChg chg="add">
-          <ac:chgData name="Viswanathan, Arjun" userId="S::viswanathn@uiowa.edu::eb902a6c-57da-49b5-b5cf-fcd1835429ce" providerId="AD" clId="Web-{7E80DDF6-FC5B-AAAF-8823-A57150779294}" dt="2019-09-27T23:29:52.195" v="710"/>
-          <ac:spMkLst>
-            <pc:docMk/>
-            <pc:sldMk cId="4024421741" sldId="258"/>
-            <ac:spMk id="8" creationId="{4BF43526-A3AC-4C5A-A6AC-B0120CA2B389}"/>
-          </ac:spMkLst>
-        </pc:spChg>
-        <pc:picChg chg="add del mod ord">
-          <ac:chgData name="Viswanathan, Arjun" userId="S::viswanathn@uiowa.edu::eb902a6c-57da-49b5-b5cf-fcd1835429ce" providerId="AD" clId="Web-{7E80DDF6-FC5B-AAAF-8823-A57150779294}" dt="2019-09-27T23:29:50.976" v="709"/>
-          <ac:picMkLst>
-            <pc:docMk/>
-            <pc:sldMk cId="4024421741" sldId="258"/>
-            <ac:picMk id="4" creationId="{0CBB9BE5-4F5C-4C26-BB3C-2D066795495D}"/>
-          </ac:picMkLst>
-        </pc:picChg>
-        <pc:picChg chg="add">
-          <ac:chgData name="Viswanathan, Arjun" userId="S::viswanathn@uiowa.edu::eb902a6c-57da-49b5-b5cf-fcd1835429ce" providerId="AD" clId="Web-{7E80DDF6-FC5B-AAAF-8823-A57150779294}" dt="2019-09-27T23:29:52.195" v="710"/>
-          <ac:picMkLst>
-            <pc:docMk/>
-            <pc:sldMk cId="4024421741" sldId="258"/>
-            <ac:picMk id="9" creationId="{D2C80CF9-66BC-4CAC-BA9C-400B1B5583E6}"/>
-          </ac:picMkLst>
-        </pc:picChg>
-        <pc:picChg chg="add">
-          <ac:chgData name="Viswanathan, Arjun" userId="S::viswanathn@uiowa.edu::eb902a6c-57da-49b5-b5cf-fcd1835429ce" providerId="AD" clId="Web-{7E80DDF6-FC5B-AAAF-8823-A57150779294}" dt="2019-09-27T23:29:52.195" v="710"/>
-          <ac:picMkLst>
-            <pc:docMk/>
-            <pc:sldMk cId="4024421741" sldId="258"/>
-            <ac:picMk id="10" creationId="{513926B5-B470-4ADA-B9F8-0610FA824DF2}"/>
-          </ac:picMkLst>
-        </pc:picChg>
-        <pc:picChg chg="add">
-          <ac:chgData name="Viswanathan, Arjun" userId="S::viswanathn@uiowa.edu::eb902a6c-57da-49b5-b5cf-fcd1835429ce" providerId="AD" clId="Web-{7E80DDF6-FC5B-AAAF-8823-A57150779294}" dt="2019-09-27T23:29:52.195" v="710"/>
-          <ac:picMkLst>
-            <pc:docMk/>
-            <pc:sldMk cId="4024421741" sldId="258"/>
-            <ac:picMk id="11" creationId="{30F8652C-BAC0-4C07-BD18-5792180CE72B}"/>
-          </ac:picMkLst>
-        </pc:picChg>
-      </pc:sldChg>
-      <pc:sldChg chg="addSp delSp modSp new">
-        <pc:chgData name="Viswanathan, Arjun" userId="S::viswanathn@uiowa.edu::eb902a6c-57da-49b5-b5cf-fcd1835429ce" providerId="AD" clId="Web-{7E80DDF6-FC5B-AAAF-8823-A57150779294}" dt="2019-09-27T23:31:20.836" v="789" actId="20577"/>
-        <pc:sldMkLst>
-          <pc:docMk/>
-          <pc:sldMk cId="1391291985" sldId="259"/>
-        </pc:sldMkLst>
-        <pc:spChg chg="add del mod">
-          <ac:chgData name="Viswanathan, Arjun" userId="S::viswanathn@uiowa.edu::eb902a6c-57da-49b5-b5cf-fcd1835429ce" providerId="AD" clId="Web-{7E80DDF6-FC5B-AAAF-8823-A57150779294}" dt="2019-09-27T23:31:20.836" v="789" actId="20577"/>
-          <ac:spMkLst>
-            <pc:docMk/>
-            <pc:sldMk cId="1391291985" sldId="259"/>
-            <ac:spMk id="2" creationId="{7975308B-C36A-41C9-90DD-A1CD2B459944}"/>
-          </ac:spMkLst>
-        </pc:spChg>
-        <pc:spChg chg="add del">
-          <ac:chgData name="Viswanathan, Arjun" userId="S::viswanathn@uiowa.edu::eb902a6c-57da-49b5-b5cf-fcd1835429ce" providerId="AD" clId="Web-{7E80DDF6-FC5B-AAAF-8823-A57150779294}" dt="2019-09-27T23:31:09.274" v="767"/>
-          <ac:spMkLst>
-            <pc:docMk/>
-            <pc:sldMk cId="1391291985" sldId="259"/>
-            <ac:spMk id="3" creationId="{C442BD80-89EB-451B-BDFF-B105F498FB8D}"/>
-          </ac:spMkLst>
-        </pc:spChg>
-        <pc:spChg chg="add del">
-          <ac:chgData name="Viswanathan, Arjun" userId="S::viswanathn@uiowa.edu::eb902a6c-57da-49b5-b5cf-fcd1835429ce" providerId="AD" clId="Web-{7E80DDF6-FC5B-AAAF-8823-A57150779294}" dt="2019-09-27T23:31:00.961" v="764"/>
-          <ac:spMkLst>
-            <pc:docMk/>
-            <pc:sldMk cId="1391291985" sldId="259"/>
-            <ac:spMk id="6" creationId="{90CE4DF7-0766-4B8D-B543-531C0AE542E7}"/>
-          </ac:spMkLst>
-        </pc:spChg>
-        <pc:spChg chg="add del mod">
-          <ac:chgData name="Viswanathan, Arjun" userId="S::viswanathn@uiowa.edu::eb902a6c-57da-49b5-b5cf-fcd1835429ce" providerId="AD" clId="Web-{7E80DDF6-FC5B-AAAF-8823-A57150779294}" dt="2019-09-27T23:31:16.274" v="772"/>
-          <ac:spMkLst>
-            <pc:docMk/>
-            <pc:sldMk cId="1391291985" sldId="259"/>
-            <ac:spMk id="9" creationId="{90CE4DF7-0766-4B8D-B543-531C0AE542E7}"/>
-          </ac:spMkLst>
-        </pc:spChg>
-        <pc:picChg chg="add del">
-          <ac:chgData name="Viswanathan, Arjun" userId="S::viswanathn@uiowa.edu::eb902a6c-57da-49b5-b5cf-fcd1835429ce" providerId="AD" clId="Web-{7E80DDF6-FC5B-AAAF-8823-A57150779294}" dt="2019-09-27T23:31:00.961" v="764"/>
-          <ac:picMkLst>
-            <pc:docMk/>
-            <pc:sldMk cId="1391291985" sldId="259"/>
-            <ac:picMk id="4" creationId="{6AEC6539-1880-443F-AB3F-D1B8284D43B2}"/>
-          </ac:picMkLst>
-        </pc:picChg>
-        <pc:picChg chg="add del">
-          <ac:chgData name="Viswanathan, Arjun" userId="S::viswanathn@uiowa.edu::eb902a6c-57da-49b5-b5cf-fcd1835429ce" providerId="AD" clId="Web-{7E80DDF6-FC5B-AAAF-8823-A57150779294}" dt="2019-09-27T23:31:00.961" v="764"/>
-          <ac:picMkLst>
-            <pc:docMk/>
-            <pc:sldMk cId="1391291985" sldId="259"/>
-            <ac:picMk id="5" creationId="{70BC3C44-E180-49E0-ABF9-18D7A624EC39}"/>
-          </ac:picMkLst>
-        </pc:picChg>
-        <pc:picChg chg="add">
-          <ac:chgData name="Viswanathan, Arjun" userId="S::viswanathn@uiowa.edu::eb902a6c-57da-49b5-b5cf-fcd1835429ce" providerId="AD" clId="Web-{7E80DDF6-FC5B-AAAF-8823-A57150779294}" dt="2019-09-27T23:31:10.024" v="768"/>
-          <ac:picMkLst>
-            <pc:docMk/>
-            <pc:sldMk cId="1391291985" sldId="259"/>
-            <ac:picMk id="7" creationId="{6AEC6539-1880-443F-AB3F-D1B8284D43B2}"/>
-          </ac:picMkLst>
-        </pc:picChg>
-        <pc:picChg chg="add">
-          <ac:chgData name="Viswanathan, Arjun" userId="S::viswanathn@uiowa.edu::eb902a6c-57da-49b5-b5cf-fcd1835429ce" providerId="AD" clId="Web-{7E80DDF6-FC5B-AAAF-8823-A57150779294}" dt="2019-09-27T23:31:10.024" v="768"/>
-          <ac:picMkLst>
-            <pc:docMk/>
-            <pc:sldMk cId="1391291985" sldId="259"/>
-            <ac:picMk id="8" creationId="{70BC3C44-E180-49E0-ABF9-18D7A624EC39}"/>
-          </ac:picMkLst>
-        </pc:picChg>
-      </pc:sldChg>
-      <pc:sldChg chg="modSp new">
-        <pc:chgData name="Viswanathan, Arjun" userId="S::viswanathn@uiowa.edu::eb902a6c-57da-49b5-b5cf-fcd1835429ce" providerId="AD" clId="Web-{7E80DDF6-FC5B-AAAF-8823-A57150779294}" dt="2019-09-27T23:45:30.261" v="1297" actId="20577"/>
-        <pc:sldMkLst>
-          <pc:docMk/>
-          <pc:sldMk cId="3722045394" sldId="260"/>
-        </pc:sldMkLst>
-        <pc:spChg chg="mod">
-          <ac:chgData name="Viswanathan, Arjun" userId="S::viswanathn@uiowa.edu::eb902a6c-57da-49b5-b5cf-fcd1835429ce" providerId="AD" clId="Web-{7E80DDF6-FC5B-AAAF-8823-A57150779294}" dt="2019-09-27T23:34:34.829" v="918" actId="20577"/>
-          <ac:spMkLst>
-            <pc:docMk/>
-            <pc:sldMk cId="3722045394" sldId="260"/>
-            <ac:spMk id="2" creationId="{06F775A8-0DB2-4AB2-A8A3-BE27B2F85DE1}"/>
-          </ac:spMkLst>
-        </pc:spChg>
-        <pc:spChg chg="mod">
-          <ac:chgData name="Viswanathan, Arjun" userId="S::viswanathn@uiowa.edu::eb902a6c-57da-49b5-b5cf-fcd1835429ce" providerId="AD" clId="Web-{7E80DDF6-FC5B-AAAF-8823-A57150779294}" dt="2019-09-27T23:45:30.261" v="1297" actId="20577"/>
-          <ac:spMkLst>
-            <pc:docMk/>
-            <pc:sldMk cId="3722045394" sldId="260"/>
-            <ac:spMk id="3" creationId="{F248C28D-15C8-477D-A972-A03BFB816A57}"/>
-          </ac:spMkLst>
-        </pc:spChg>
-      </pc:sldChg>
-    </pc:docChg>
-  </pc:docChgLst>
-</pc:chgInfo>
 </file>
 
 <file path=ppt/notesMasters/notesMaster1.xml><?xml version="1.0" encoding="utf-8"?>
@@ -498,7 +212,7 @@
           <a:p>
             <a:fld id="{1FF7F9DD-FA9A-401A-9E21-DC407FB18E79}" type="datetimeFigureOut">
               <a:rPr lang="en-US" smtClean="0"/>
-              <a:t>10/3/2019</a:t>
+              <a:t>10/8/2019</a:t>
             </a:fld>
             <a:endParaRPr lang="en-US"/>
           </a:p>
@@ -810,42 +524,42 @@
           <a:lstStyle/>
           <a:p>
             <a:r>
-              <a:rPr lang="en-US" dirty="0"/>
+              <a:rPr lang="en-US"/>
               <a:t>Applications of bit-vectors: </a:t>
             </a:r>
             <a:r>
-              <a:rPr lang="en-US" dirty="0">
+              <a:rPr lang="en-US">
                 <a:cs typeface="Calibri"/>
               </a:rPr>
               <a:t>bounded model checking [</a:t>
             </a:r>
             <a:r>
-              <a:rPr lang="en-US" dirty="0">
+              <a:rPr lang="en-US">
                 <a:ea typeface="+mn-lt"/>
                 <a:cs typeface="+mn-lt"/>
               </a:rPr>
               <a:t>Armando et al., 2006</a:t>
             </a:r>
             <a:r>
-              <a:rPr lang="en-US" dirty="0">
+              <a:rPr lang="en-US">
                 <a:cs typeface="Calibri"/>
               </a:rPr>
               <a:t>] and circuit analysis [</a:t>
             </a:r>
             <a:r>
-              <a:rPr lang="en-US" dirty="0">
+              <a:rPr lang="en-US">
                 <a:ea typeface="+mn-lt"/>
                 <a:cs typeface="+mn-lt"/>
               </a:rPr>
               <a:t>Gupta et al., 1993</a:t>
             </a:r>
             <a:r>
-              <a:rPr lang="en-US" dirty="0">
+              <a:rPr lang="en-US">
                 <a:cs typeface="Calibri"/>
               </a:rPr>
               <a:t>]</a:t>
             </a:r>
-            <a:endParaRPr lang="en-US" dirty="0"/>
+            <a:endParaRPr lang="en-US"/>
           </a:p>
         </p:txBody>
       </p:sp>
@@ -930,7 +644,6 @@
               <a:rPr lang="en-US"/>
               <a:t>Click to edit Master title style</a:t>
             </a:r>
-            <a:endParaRPr lang="en-US" dirty="0"/>
           </a:p>
         </p:txBody>
       </p:sp>
@@ -995,7 +708,6 @@
               <a:rPr lang="en-US"/>
               <a:t>Click to edit Master subtitle style</a:t>
             </a:r>
-            <a:endParaRPr lang="en-US" dirty="0"/>
           </a:p>
         </p:txBody>
       </p:sp>
@@ -1016,7 +728,7 @@
           <a:p>
             <a:fld id="{846CE7D5-CF57-46EF-B807-FDD0502418D4}" type="datetimeFigureOut">
               <a:rPr lang="en-US" smtClean="0"/>
-              <a:t>10/3/2019</a:t>
+              <a:t>10/8/2019</a:t>
             </a:fld>
             <a:endParaRPr lang="en-US"/>
           </a:p>
@@ -1113,7 +825,6 @@
               <a:rPr lang="en-US"/>
               <a:t>Click to edit Master title style</a:t>
             </a:r>
-            <a:endParaRPr lang="en-US" dirty="0"/>
           </a:p>
         </p:txBody>
       </p:sp>
@@ -1165,7 +876,6 @@
               <a:rPr lang="en-US"/>
               <a:t>Fifth level</a:t>
             </a:r>
-            <a:endParaRPr lang="en-US" dirty="0"/>
           </a:p>
         </p:txBody>
       </p:sp>
@@ -1186,7 +896,7 @@
           <a:p>
             <a:fld id="{846CE7D5-CF57-46EF-B807-FDD0502418D4}" type="datetimeFigureOut">
               <a:rPr lang="en-US" smtClean="0"/>
-              <a:t>10/3/2019</a:t>
+              <a:t>10/8/2019</a:t>
             </a:fld>
             <a:endParaRPr lang="en-US"/>
           </a:p>
@@ -1288,7 +998,6 @@
               <a:rPr lang="en-US"/>
               <a:t>Click to edit Master title style</a:t>
             </a:r>
-            <a:endParaRPr lang="en-US" dirty="0"/>
           </a:p>
         </p:txBody>
       </p:sp>
@@ -1345,7 +1054,6 @@
               <a:rPr lang="en-US"/>
               <a:t>Fifth level</a:t>
             </a:r>
-            <a:endParaRPr lang="en-US" dirty="0"/>
           </a:p>
         </p:txBody>
       </p:sp>
@@ -1366,7 +1074,7 @@
           <a:p>
             <a:fld id="{846CE7D5-CF57-46EF-B807-FDD0502418D4}" type="datetimeFigureOut">
               <a:rPr lang="en-US" smtClean="0"/>
-              <a:t>10/3/2019</a:t>
+              <a:t>10/8/2019</a:t>
             </a:fld>
             <a:endParaRPr lang="en-US"/>
           </a:p>
@@ -1463,7 +1171,6 @@
               <a:rPr lang="en-US"/>
               <a:t>Click to edit Master title style</a:t>
             </a:r>
-            <a:endParaRPr lang="en-US" dirty="0"/>
           </a:p>
         </p:txBody>
       </p:sp>
@@ -1515,7 +1222,6 @@
               <a:rPr lang="en-US"/>
               <a:t>Fifth level</a:t>
             </a:r>
-            <a:endParaRPr lang="en-US" dirty="0"/>
           </a:p>
         </p:txBody>
       </p:sp>
@@ -1536,7 +1242,7 @@
           <a:p>
             <a:fld id="{846CE7D5-CF57-46EF-B807-FDD0502418D4}" type="datetimeFigureOut">
               <a:rPr lang="en-US" smtClean="0"/>
-              <a:t>10/3/2019</a:t>
+              <a:t>10/8/2019</a:t>
             </a:fld>
             <a:endParaRPr lang="en-US"/>
           </a:p>
@@ -1642,7 +1348,6 @@
               <a:rPr lang="en-US"/>
               <a:t>Click to edit Master title style</a:t>
             </a:r>
-            <a:endParaRPr lang="en-US" dirty="0"/>
           </a:p>
         </p:txBody>
       </p:sp>
@@ -1782,7 +1487,7 @@
           <a:p>
             <a:fld id="{846CE7D5-CF57-46EF-B807-FDD0502418D4}" type="datetimeFigureOut">
               <a:rPr lang="en-US" smtClean="0"/>
-              <a:t>10/3/2019</a:t>
+              <a:t>10/8/2019</a:t>
             </a:fld>
             <a:endParaRPr lang="en-US"/>
           </a:p>
@@ -1879,7 +1584,6 @@
               <a:rPr lang="en-US"/>
               <a:t>Click to edit Master title style</a:t>
             </a:r>
-            <a:endParaRPr lang="en-US" dirty="0"/>
           </a:p>
         </p:txBody>
       </p:sp>
@@ -1936,7 +1640,6 @@
               <a:rPr lang="en-US"/>
               <a:t>Fifth level</a:t>
             </a:r>
-            <a:endParaRPr lang="en-US" dirty="0"/>
           </a:p>
         </p:txBody>
       </p:sp>
@@ -1993,7 +1696,6 @@
               <a:rPr lang="en-US"/>
               <a:t>Fifth level</a:t>
             </a:r>
-            <a:endParaRPr lang="en-US" dirty="0"/>
           </a:p>
         </p:txBody>
       </p:sp>
@@ -2014,7 +1716,7 @@
           <a:p>
             <a:fld id="{846CE7D5-CF57-46EF-B807-FDD0502418D4}" type="datetimeFigureOut">
               <a:rPr lang="en-US" smtClean="0"/>
-              <a:t>10/3/2019</a:t>
+              <a:t>10/8/2019</a:t>
             </a:fld>
             <a:endParaRPr lang="en-US"/>
           </a:p>
@@ -2116,7 +1818,6 @@
               <a:rPr lang="en-US"/>
               <a:t>Click to edit Master title style</a:t>
             </a:r>
-            <a:endParaRPr lang="en-US" dirty="0"/>
           </a:p>
         </p:txBody>
       </p:sp>
@@ -2238,7 +1939,6 @@
               <a:rPr lang="en-US"/>
               <a:t>Fifth level</a:t>
             </a:r>
-            <a:endParaRPr lang="en-US" dirty="0"/>
           </a:p>
         </p:txBody>
       </p:sp>
@@ -2360,7 +2060,6 @@
               <a:rPr lang="en-US"/>
               <a:t>Fifth level</a:t>
             </a:r>
-            <a:endParaRPr lang="en-US" dirty="0"/>
           </a:p>
         </p:txBody>
       </p:sp>
@@ -2381,7 +2080,7 @@
           <a:p>
             <a:fld id="{846CE7D5-CF57-46EF-B807-FDD0502418D4}" type="datetimeFigureOut">
               <a:rPr lang="en-US" smtClean="0"/>
-              <a:t>10/3/2019</a:t>
+              <a:t>10/8/2019</a:t>
             </a:fld>
             <a:endParaRPr lang="en-US"/>
           </a:p>
@@ -2478,7 +2177,6 @@
               <a:rPr lang="en-US"/>
               <a:t>Click to edit Master title style</a:t>
             </a:r>
-            <a:endParaRPr lang="en-US" dirty="0"/>
           </a:p>
         </p:txBody>
       </p:sp>
@@ -2499,7 +2197,7 @@
           <a:p>
             <a:fld id="{846CE7D5-CF57-46EF-B807-FDD0502418D4}" type="datetimeFigureOut">
               <a:rPr lang="en-US" smtClean="0"/>
-              <a:t>10/3/2019</a:t>
+              <a:t>10/8/2019</a:t>
             </a:fld>
             <a:endParaRPr lang="en-US"/>
           </a:p>
@@ -2594,7 +2292,7 @@
           <a:p>
             <a:fld id="{846CE7D5-CF57-46EF-B807-FDD0502418D4}" type="datetimeFigureOut">
               <a:rPr lang="en-US" smtClean="0"/>
-              <a:t>10/3/2019</a:t>
+              <a:t>10/8/2019</a:t>
             </a:fld>
             <a:endParaRPr lang="en-US"/>
           </a:p>
@@ -2700,7 +2398,6 @@
               <a:rPr lang="en-US"/>
               <a:t>Click to edit Master title style</a:t>
             </a:r>
-            <a:endParaRPr lang="en-US" dirty="0"/>
           </a:p>
         </p:txBody>
       </p:sp>
@@ -2785,7 +2482,6 @@
               <a:rPr lang="en-US"/>
               <a:t>Fifth level</a:t>
             </a:r>
-            <a:endParaRPr lang="en-US" dirty="0"/>
           </a:p>
         </p:txBody>
       </p:sp>
@@ -2871,7 +2567,7 @@
           <a:p>
             <a:fld id="{846CE7D5-CF57-46EF-B807-FDD0502418D4}" type="datetimeFigureOut">
               <a:rPr lang="en-US" smtClean="0"/>
-              <a:t>10/3/2019</a:t>
+              <a:t>10/8/2019</a:t>
             </a:fld>
             <a:endParaRPr lang="en-US"/>
           </a:p>
@@ -2977,7 +2673,6 @@
               <a:rPr lang="en-US"/>
               <a:t>Click to edit Master title style</a:t>
             </a:r>
-            <a:endParaRPr lang="en-US" dirty="0"/>
           </a:p>
         </p:txBody>
       </p:sp>
@@ -3042,7 +2737,6 @@
               <a:rPr lang="en-US"/>
               <a:t>Click icon to add picture</a:t>
             </a:r>
-            <a:endParaRPr lang="en-US" dirty="0"/>
           </a:p>
         </p:txBody>
       </p:sp>
@@ -3128,7 +2822,7 @@
           <a:p>
             <a:fld id="{846CE7D5-CF57-46EF-B807-FDD0502418D4}" type="datetimeFigureOut">
               <a:rPr lang="en-US" smtClean="0"/>
-              <a:t>10/3/2019</a:t>
+              <a:t>10/8/2019</a:t>
             </a:fld>
             <a:endParaRPr lang="en-US"/>
           </a:p>
@@ -3240,7 +2934,6 @@
               <a:rPr lang="en-US"/>
               <a:t>Click to edit Master title style</a:t>
             </a:r>
-            <a:endParaRPr lang="en-US" dirty="0"/>
           </a:p>
         </p:txBody>
       </p:sp>
@@ -3302,7 +2995,6 @@
               <a:rPr lang="en-US"/>
               <a:t>Fifth level</a:t>
             </a:r>
-            <a:endParaRPr lang="en-US" dirty="0"/>
           </a:p>
         </p:txBody>
       </p:sp>
@@ -3341,7 +3033,7 @@
           <a:p>
             <a:fld id="{846CE7D5-CF57-46EF-B807-FDD0502418D4}" type="datetimeFigureOut">
               <a:rPr lang="en-US" smtClean="0"/>
-              <a:t>10/3/2019</a:t>
+              <a:t>10/8/2019</a:t>
             </a:fld>
             <a:endParaRPr lang="en-US"/>
           </a:p>
@@ -3794,31 +3486,30 @@
           </a:lstStyle>
           <a:p>
             <a:r>
-              <a:rPr lang="en-US" dirty="0"/>
+              <a:rPr lang="en-US"/>
               <a:t>Verifying Bit-vector </a:t>
             </a:r>
             <a:br>
-              <a:rPr lang="en-US" dirty="0"/>
+              <a:rPr lang="en-US"/>
             </a:br>
             <a:r>
-              <a:rPr lang="en-US" dirty="0"/>
+              <a:rPr lang="en-US"/>
               <a:t>Invertibility Conditions </a:t>
             </a:r>
             <a:br>
-              <a:rPr lang="en-US" dirty="0"/>
+              <a:rPr lang="en-US"/>
             </a:br>
             <a:r>
               <a:rPr lang="en-US"/>
               <a:t>in</a:t>
             </a:r>
             <a:br>
-              <a:rPr lang="en-US" dirty="0"/>
+              <a:rPr lang="en-US"/>
             </a:br>
             <a:r>
               <a:rPr lang="en-US"/>
               <a:t>Coq</a:t>
             </a:r>
-            <a:endParaRPr lang="en-US" dirty="0"/>
           </a:p>
         </p:txBody>
       </p:sp>
@@ -4015,7 +3706,7 @@
           </a:lstStyle>
           <a:p>
             <a:r>
-              <a:rPr lang="en-US" dirty="0" err="1">
+              <a:rPr lang="en-US" err="1">
                 <a:latin typeface="Liberation Sans" pitchFamily="18"/>
                 <a:ea typeface="Noto Sans CJK SC Regular" pitchFamily="2"/>
                 <a:cs typeface="Lohit Devanagari" pitchFamily="2"/>
@@ -4023,7 +3714,7 @@
               <a:t>Burak</a:t>
             </a:r>
             <a:r>
-              <a:rPr lang="en-US" dirty="0">
+              <a:rPr lang="en-US">
                 <a:latin typeface="Liberation Sans" pitchFamily="18"/>
                 <a:ea typeface="Noto Sans CJK SC Regular" pitchFamily="2"/>
                 <a:cs typeface="Lohit Devanagari" pitchFamily="2"/>
@@ -4031,7 +3722,7 @@
               <a:t> </a:t>
             </a:r>
             <a:r>
-              <a:rPr lang="en-US" dirty="0" err="1">
+              <a:rPr lang="en-US" err="1">
                 <a:latin typeface="Liberation Sans" pitchFamily="18"/>
                 <a:ea typeface="Noto Sans CJK SC Regular" pitchFamily="2"/>
                 <a:cs typeface="Lohit Devanagari" pitchFamily="2"/>
@@ -4039,7 +3730,7 @@
               <a:t>Ekici</a:t>
             </a:r>
             <a:r>
-              <a:rPr lang="en-US" dirty="0">
+              <a:rPr lang="en-US">
                 <a:latin typeface="Liberation Sans" pitchFamily="18"/>
                 <a:ea typeface="Noto Sans CJK SC Regular" pitchFamily="2"/>
                 <a:cs typeface="Lohit Devanagari" pitchFamily="2"/>
@@ -4047,7 +3738,7 @@
               <a:t>, </a:t>
             </a:r>
             <a:r>
-              <a:rPr lang="en-US" dirty="0">
+              <a:rPr lang="en-US">
                 <a:solidFill>
                   <a:srgbClr val="F00E0E"/>
                 </a:solidFill>
@@ -4058,7 +3749,7 @@
               <a:t>Arjun Viswanathan</a:t>
             </a:r>
             <a:r>
-              <a:rPr lang="en-US" dirty="0">
+              <a:rPr lang="en-US">
                 <a:latin typeface="Liberation Sans" pitchFamily="18"/>
                 <a:ea typeface="Noto Sans CJK SC Regular" pitchFamily="2"/>
                 <a:cs typeface="Lohit Devanagari" pitchFamily="2"/>
@@ -4066,21 +3757,21 @@
               <a:t>, Yoni Zohar, Clark Barrett, Cesare </a:t>
             </a:r>
             <a:r>
-              <a:rPr lang="en-US" dirty="0" err="1">
+              <a:rPr lang="en-US" err="1">
                 <a:latin typeface="Liberation Sans" pitchFamily="18"/>
                 <a:ea typeface="Noto Sans CJK SC Regular" pitchFamily="2"/>
                 <a:cs typeface="Lohit Devanagari" pitchFamily="2"/>
               </a:rPr>
               <a:t>Tinelli</a:t>
             </a:r>
-            <a:endParaRPr lang="en-US" dirty="0">
+            <a:endParaRPr lang="en-US">
               <a:latin typeface="Liberation Sans" pitchFamily="18"/>
               <a:ea typeface="Noto Sans CJK SC Regular" pitchFamily="2"/>
               <a:cs typeface="Lohit Devanagari" pitchFamily="2"/>
             </a:endParaRPr>
           </a:p>
           <a:p>
-            <a:endParaRPr lang="en-US" dirty="0"/>
+            <a:endParaRPr lang="en-US"/>
           </a:p>
         </p:txBody>
       </p:sp>
@@ -4253,18 +3944,23 @@
             <p:ph type="title"/>
           </p:nvPr>
         </p:nvSpPr>
-        <p:spPr/>
+        <p:spPr>
+          <a:xfrm>
+            <a:off x="838200" y="365125"/>
+            <a:ext cx="10515600" cy="1325563"/>
+          </a:xfrm>
+        </p:spPr>
         <p:txBody>
           <a:bodyPr/>
           <a:lstStyle/>
           <a:p>
             <a:r>
-              <a:rPr lang="en-US" dirty="0">
+              <a:rPr lang="en-US">
                 <a:cs typeface="Calibri Light"/>
               </a:rPr>
               <a:t>Introduction</a:t>
             </a:r>
-            <a:endParaRPr lang="en-US" dirty="0"/>
+            <a:endParaRPr lang="en-US"/>
           </a:p>
         </p:txBody>
       </p:sp>
@@ -4284,7 +3980,12 @@
             <p:ph idx="1"/>
           </p:nvPr>
         </p:nvSpPr>
-        <p:spPr/>
+        <p:spPr>
+          <a:xfrm>
+            <a:off x="838200" y="1825625"/>
+            <a:ext cx="10515600" cy="4351338"/>
+          </a:xfrm>
+        </p:spPr>
         <p:txBody>
           <a:bodyPr vert="horz" lIns="91440" tIns="45720" rIns="91440" bIns="45720" rtlCol="0" anchor="t">
             <a:normAutofit/>
@@ -4299,7 +4000,7 @@
             </a:r>
           </a:p>
           <a:p>
-            <a:endParaRPr lang="en-US" dirty="0">
+            <a:endParaRPr lang="en-US" sz="1000" dirty="0">
               <a:cs typeface="Calibri"/>
             </a:endParaRPr>
           </a:p>
@@ -4310,6 +4011,11 @@
               </a:rPr>
               <a:t>Many applications require reasoning about </a:t>
             </a:r>
+            <a:br>
+              <a:rPr lang="en-US" dirty="0">
+                <a:cs typeface="Calibri"/>
+              </a:rPr>
+            </a:br>
             <a:r>
               <a:rPr lang="en-US" dirty="0">
                 <a:solidFill>
@@ -4321,7 +4027,7 @@
             </a:r>
           </a:p>
           <a:p>
-            <a:endParaRPr lang="en-US" dirty="0">
+            <a:endParaRPr lang="en-US" sz="1000" dirty="0">
               <a:solidFill>
                 <a:schemeClr val="accent2"/>
               </a:solidFill>
@@ -4333,11 +4039,11 @@
               <a:rPr lang="en-US" dirty="0">
                 <a:cs typeface="Calibri"/>
               </a:rPr>
-              <a:t>Some SMT solvers deal with quantified formulas using quantifier-instantiation techniques</a:t>
-            </a:r>
-          </a:p>
-          <a:p>
-            <a:endParaRPr lang="en-US" dirty="0">
+              <a:t>SMT solvers deal with quantified formulas using quantifier-instantiation techniques</a:t>
+            </a:r>
+          </a:p>
+          <a:p>
+            <a:endParaRPr lang="en-US" sz="1000" dirty="0">
               <a:cs typeface="Calibri"/>
             </a:endParaRPr>
           </a:p>
@@ -4367,43 +4073,98 @@
               <a:rPr lang="en-US" dirty="0">
                 <a:cs typeface="Calibri"/>
               </a:rPr>
-              <a:t>[</a:t>
-            </a:r>
-            <a:r>
-              <a:rPr lang="en-US" dirty="0" err="1">
-                <a:ea typeface="+mn-lt"/>
-                <a:cs typeface="+mn-lt"/>
-              </a:rPr>
-              <a:t>Niemetz</a:t>
-            </a:r>
-            <a:r>
-              <a:rPr lang="en-US" dirty="0">
-                <a:ea typeface="+mn-lt"/>
-                <a:cs typeface="+mn-lt"/>
-              </a:rPr>
-              <a:t> et al., CAV 2018</a:t>
-            </a:r>
-            <a:r>
-              <a:rPr lang="en-US" dirty="0">
-                <a:cs typeface="Calibri"/>
-              </a:rPr>
-              <a:t>]</a:t>
-            </a:r>
-            <a:r>
-              <a:rPr lang="en-US" i="1" dirty="0">
-                <a:cs typeface="Calibri"/>
-              </a:rPr>
-              <a:t> </a:t>
-            </a:r>
-            <a:r>
-              <a:rPr lang="en-US" dirty="0">
-                <a:cs typeface="Calibri"/>
-              </a:rPr>
               <a:t>as part of a quantifier instantiation technique for bit-vectors</a:t>
             </a:r>
           </a:p>
         </p:txBody>
       </p:sp>
+      <p:pic>
+        <p:nvPicPr>
+          <p:cNvPr id="21" name="Picture 20">
+            <a:extLst>
+              <a:ext uri="{FF2B5EF4-FFF2-40B4-BE49-F238E27FC236}">
+                <a16:creationId xmlns:a16="http://schemas.microsoft.com/office/drawing/2014/main" id="{6AA08260-9053-4DE8-B43B-C0F789EE7B5B}"/>
+              </a:ext>
+            </a:extLst>
+          </p:cNvPr>
+          <p:cNvPicPr>
+            <a:picLocks noChangeAspect="1"/>
+          </p:cNvPicPr>
+          <p:nvPr>
+            <p:custDataLst>
+              <p:tags r:id="rId1"/>
+            </p:custDataLst>
+          </p:nvPr>
+        </p:nvPicPr>
+        <p:blipFill>
+          <a:blip r:embed="rId4" cstate="print">
+            <a:extLst>
+              <a:ext uri="{28A0092B-C50C-407E-A947-70E740481C1C}">
+                <a14:useLocalDpi xmlns:a14="http://schemas.microsoft.com/office/drawing/2010/main" val="0"/>
+              </a:ext>
+            </a:extLst>
+          </a:blip>
+          <a:stretch>
+            <a:fillRect/>
+          </a:stretch>
+        </p:blipFill>
+        <p:spPr>
+          <a:xfrm>
+            <a:off x="2741333" y="6000963"/>
+            <a:ext cx="6709334" cy="352000"/>
+          </a:xfrm>
+          <a:prstGeom prst="rect">
+            <a:avLst/>
+          </a:prstGeom>
+        </p:spPr>
+      </p:pic>
+      <p:pic>
+        <p:nvPicPr>
+          <p:cNvPr id="1026" name="Picture 2" descr="https://images.squarespace-cdn.com/content/v1/5354e53ee4b0a1a3d8a8121d/1551768706009-2LA6YN6EBD69L5KZVX9U/ke17ZwdGBToddI8pDm48kPTrHXgsMrSIMwe6YW3w1AZ7gQa3H78H3Y0txjaiv_0fDoOvxcdMmMKkDsyUqMSsMWxHk725yiiHCCLfrh8O1z4YTzHvnKhyp6Da-NYroOW3ZGjoBKy3azqku80C789l0k5fwC0WRNFJBIXiBeNI5fKTrY37saURwPBw8fO2esROAxn-RKSrlQamlL27g22X2A/bits-over-atoms-peng-ong-asset-light-monk%27s-hill">
+            <a:extLst>
+              <a:ext uri="{FF2B5EF4-FFF2-40B4-BE49-F238E27FC236}">
+                <a16:creationId xmlns:a16="http://schemas.microsoft.com/office/drawing/2014/main" id="{9D561D5E-6F94-4778-8C01-44F7503C5DC9}"/>
+              </a:ext>
+            </a:extLst>
+          </p:cNvPr>
+          <p:cNvPicPr>
+            <a:picLocks noChangeAspect="1" noChangeArrowheads="1"/>
+          </p:cNvPicPr>
+          <p:nvPr/>
+        </p:nvPicPr>
+        <p:blipFill>
+          <a:blip r:embed="rId5" cstate="print">
+            <a:extLst>
+              <a:ext uri="{28A0092B-C50C-407E-A947-70E740481C1C}">
+                <a14:useLocalDpi xmlns:a14="http://schemas.microsoft.com/office/drawing/2010/main" val="0"/>
+              </a:ext>
+            </a:extLst>
+          </a:blip>
+          <a:srcRect/>
+          <a:stretch>
+            <a:fillRect/>
+          </a:stretch>
+        </p:blipFill>
+        <p:spPr bwMode="auto">
+          <a:xfrm>
+            <a:off x="8240327" y="1606858"/>
+            <a:ext cx="3599574" cy="2026560"/>
+          </a:xfrm>
+          <a:prstGeom prst="rect">
+            <a:avLst/>
+          </a:prstGeom>
+          <a:noFill/>
+          <a:extLst>
+            <a:ext uri="{909E8E84-426E-40DD-AFC4-6F175D3DCCD1}">
+              <a14:hiddenFill xmlns:a14="http://schemas.microsoft.com/office/drawing/2010/main">
+                <a:solidFill>
+                  <a:srgbClr val="FFFFFF"/>
+                </a:solidFill>
+              </a14:hiddenFill>
+            </a:ext>
+          </a:extLst>
+        </p:spPr>
+      </p:pic>
     </p:spTree>
     <p:extLst>
       <p:ext uri="{BB962C8B-B14F-4D97-AF65-F5344CB8AC3E}">
@@ -4420,6 +4181,14 @@
 <file path=ppt/slides/slide3.xml><?xml version="1.0" encoding="utf-8"?>
 <p:sld xmlns:a="http://schemas.openxmlformats.org/drawingml/2006/main" xmlns:r="http://schemas.openxmlformats.org/officeDocument/2006/relationships" xmlns:p="http://schemas.openxmlformats.org/presentationml/2006/main">
   <p:cSld>
+    <p:bg>
+      <p:bgPr>
+        <a:solidFill>
+          <a:schemeClr val="bg1"/>
+        </a:solidFill>
+        <a:effectLst/>
+      </p:bgPr>
+    </p:bg>
     <p:spTree>
       <p:nvGrpSpPr>
         <p:cNvPr id="1" name=""/>
@@ -4436,6 +4205,478 @@
       </p:grpSpPr>
       <p:sp>
         <p:nvSpPr>
+          <p:cNvPr id="8" name="Rectangle 7">
+            <a:extLst>
+              <a:ext uri="{FF2B5EF4-FFF2-40B4-BE49-F238E27FC236}">
+                <a16:creationId xmlns:a16="http://schemas.microsoft.com/office/drawing/2014/main" id="{8D70B121-56F4-4848-B38B-182089D909FA}"/>
+              </a:ext>
+              <a:ext uri="{C183D7F6-B498-43B3-948B-1728B52AA6E4}">
+                <adec:decorative xmlns:adec="http://schemas.microsoft.com/office/drawing/2017/decorative" val="1"/>
+              </a:ext>
+            </a:extLst>
+          </p:cNvPr>
+          <p:cNvSpPr>
+            <a:spLocks noGrp="1" noRot="1" noChangeAspect="1" noMove="1" noResize="1" noEditPoints="1" noAdjustHandles="1" noChangeArrowheads="1" noChangeShapeType="1" noTextEdit="1"/>
+          </p:cNvSpPr>
+          <p:nvPr>
+            <p:extLst>
+              <p:ext uri="{386F3935-93C4-4BCD-93E2-E3B085C9AB24}">
+                <p16:designElem xmlns:p16="http://schemas.microsoft.com/office/powerpoint/2015/main" val="1"/>
+              </p:ext>
+            </p:extLst>
+          </p:nvPr>
+        </p:nvSpPr>
+        <p:spPr bwMode="ltGray">
+          <a:xfrm>
+            <a:off x="321564" y="320040"/>
+            <a:ext cx="11548872" cy="6217920"/>
+          </a:xfrm>
+          <a:prstGeom prst="rect">
+            <a:avLst/>
+          </a:prstGeom>
+          <a:solidFill>
+            <a:schemeClr val="tx1">
+              <a:alpha val="8000"/>
+            </a:schemeClr>
+          </a:solidFill>
+          <a:ln w="127000" cap="sq" cmpd="thinThick">
+            <a:noFill/>
+          </a:ln>
+        </p:spPr>
+        <p:style>
+          <a:lnRef idx="2">
+            <a:schemeClr val="accent1">
+              <a:shade val="50000"/>
+            </a:schemeClr>
+          </a:lnRef>
+          <a:fillRef idx="1">
+            <a:schemeClr val="accent1"/>
+          </a:fillRef>
+          <a:effectRef idx="0">
+            <a:schemeClr val="accent1"/>
+          </a:effectRef>
+          <a:fontRef idx="minor">
+            <a:schemeClr val="lt1"/>
+          </a:fontRef>
+        </p:style>
+        <p:txBody>
+          <a:bodyPr rtlCol="0" anchor="ctr"/>
+          <a:lstStyle/>
+          <a:p>
+            <a:pPr algn="ctr"/>
+            <a:endParaRPr lang="en-US"/>
+          </a:p>
+        </p:txBody>
+      </p:sp>
+      <p:sp>
+        <p:nvSpPr>
+          <p:cNvPr id="2" name="Title 1">
+            <a:extLst>
+              <a:ext uri="{FF2B5EF4-FFF2-40B4-BE49-F238E27FC236}">
+                <a16:creationId xmlns:a16="http://schemas.microsoft.com/office/drawing/2014/main" id="{06F775A8-0DB2-4AB2-A8A3-BE27B2F85DE1}"/>
+              </a:ext>
+            </a:extLst>
+          </p:cNvPr>
+          <p:cNvSpPr>
+            <a:spLocks noGrp="1"/>
+          </p:cNvSpPr>
+          <p:nvPr>
+            <p:ph type="title"/>
+          </p:nvPr>
+        </p:nvSpPr>
+        <p:spPr>
+          <a:xfrm>
+            <a:off x="838200" y="963877"/>
+            <a:ext cx="3494362" cy="4930246"/>
+          </a:xfrm>
+        </p:spPr>
+        <p:txBody>
+          <a:bodyPr>
+            <a:normAutofit/>
+          </a:bodyPr>
+          <a:lstStyle/>
+          <a:p>
+            <a:pPr algn="r"/>
+            <a:r>
+              <a:rPr lang="en-US" dirty="0">
+                <a:solidFill>
+                  <a:schemeClr val="accent1"/>
+                </a:solidFill>
+                <a:cs typeface="Calibri Light"/>
+              </a:rPr>
+              <a:t>Previous Work</a:t>
+            </a:r>
+            <a:br>
+              <a:rPr lang="en-US" dirty="0">
+                <a:solidFill>
+                  <a:schemeClr val="accent1"/>
+                </a:solidFill>
+                <a:cs typeface="Calibri Light"/>
+              </a:rPr>
+            </a:br>
+            <a:br>
+              <a:rPr lang="en-US" dirty="0">
+                <a:solidFill>
+                  <a:schemeClr val="accent1"/>
+                </a:solidFill>
+                <a:cs typeface="Calibri Light"/>
+              </a:rPr>
+            </a:br>
+            <a:br>
+              <a:rPr lang="en-US" dirty="0">
+                <a:solidFill>
+                  <a:schemeClr val="accent1"/>
+                </a:solidFill>
+                <a:cs typeface="Calibri Light"/>
+              </a:rPr>
+            </a:br>
+            <a:br>
+              <a:rPr lang="en-US" dirty="0">
+                <a:solidFill>
+                  <a:schemeClr val="accent1"/>
+                </a:solidFill>
+                <a:cs typeface="Calibri Light"/>
+              </a:rPr>
+            </a:br>
+            <a:br>
+              <a:rPr lang="en-US" dirty="0">
+                <a:solidFill>
+                  <a:schemeClr val="accent1"/>
+                </a:solidFill>
+                <a:cs typeface="Calibri Light"/>
+              </a:rPr>
+            </a:br>
+            <a:r>
+              <a:rPr lang="en-US" dirty="0">
+                <a:solidFill>
+                  <a:schemeClr val="accent1"/>
+                </a:solidFill>
+                <a:cs typeface="Calibri Light"/>
+              </a:rPr>
+              <a:t>Contributions</a:t>
+            </a:r>
+            <a:endParaRPr lang="en-US" dirty="0">
+              <a:solidFill>
+                <a:schemeClr val="accent1"/>
+              </a:solidFill>
+            </a:endParaRPr>
+          </a:p>
+        </p:txBody>
+      </p:sp>
+      <p:cxnSp>
+        <p:nvCxnSpPr>
+          <p:cNvPr id="12" name="Straight Connector 9">
+            <a:extLst>
+              <a:ext uri="{FF2B5EF4-FFF2-40B4-BE49-F238E27FC236}">
+                <a16:creationId xmlns:a16="http://schemas.microsoft.com/office/drawing/2014/main" id="{2D72A2C9-F3CA-4216-8BAD-FA4C970C3C4E}"/>
+              </a:ext>
+              <a:ext uri="{C183D7F6-B498-43B3-948B-1728B52AA6E4}">
+                <adec:decorative xmlns:adec="http://schemas.microsoft.com/office/drawing/2017/decorative" val="1"/>
+              </a:ext>
+            </a:extLst>
+          </p:cNvPr>
+          <p:cNvCxnSpPr>
+            <a:cxnSpLocks noGrp="1" noRot="1" noChangeAspect="1" noMove="1" noResize="1" noEditPoints="1" noAdjustHandles="1" noChangeArrowheads="1" noChangeShapeType="1"/>
+          </p:cNvCxnSpPr>
+          <p:nvPr>
+            <p:extLst>
+              <p:ext uri="{386F3935-93C4-4BCD-93E2-E3B085C9AB24}">
+                <p16:designElem xmlns:p16="http://schemas.microsoft.com/office/powerpoint/2015/main" val="1"/>
+              </p:ext>
+            </p:extLst>
+          </p:nvPr>
+        </p:nvCxnSpPr>
+        <p:spPr>
+          <a:xfrm>
+            <a:off x="4654296" y="2057400"/>
+            <a:ext cx="0" cy="2743200"/>
+          </a:xfrm>
+          <a:prstGeom prst="line">
+            <a:avLst/>
+          </a:prstGeom>
+          <a:ln w="19050">
+            <a:solidFill>
+              <a:schemeClr val="tx1">
+                <a:lumMod val="85000"/>
+                <a:lumOff val="15000"/>
+              </a:schemeClr>
+            </a:solidFill>
+          </a:ln>
+        </p:spPr>
+        <p:style>
+          <a:lnRef idx="1">
+            <a:schemeClr val="accent1"/>
+          </a:lnRef>
+          <a:fillRef idx="0">
+            <a:schemeClr val="accent1"/>
+          </a:fillRef>
+          <a:effectRef idx="0">
+            <a:schemeClr val="accent1"/>
+          </a:effectRef>
+          <a:fontRef idx="minor">
+            <a:schemeClr val="tx1"/>
+          </a:fontRef>
+        </p:style>
+      </p:cxnSp>
+      <p:sp>
+        <p:nvSpPr>
+          <p:cNvPr id="13" name="Content Placeholder 2">
+            <a:extLst>
+              <a:ext uri="{FF2B5EF4-FFF2-40B4-BE49-F238E27FC236}">
+                <a16:creationId xmlns:a16="http://schemas.microsoft.com/office/drawing/2014/main" id="{F248C28D-15C8-477D-A972-A03BFB816A57}"/>
+              </a:ext>
+            </a:extLst>
+          </p:cNvPr>
+          <p:cNvSpPr>
+            <a:spLocks noGrp="1"/>
+          </p:cNvSpPr>
+          <p:nvPr>
+            <p:ph idx="1"/>
+          </p:nvPr>
+        </p:nvSpPr>
+        <p:spPr>
+          <a:xfrm>
+            <a:off x="4976031" y="1115705"/>
+            <a:ext cx="6377769" cy="4930246"/>
+          </a:xfrm>
+        </p:spPr>
+        <p:txBody>
+          <a:bodyPr vert="horz" lIns="91440" tIns="45720" rIns="91440" bIns="45720" rtlCol="0" anchor="ctr">
+            <a:normAutofit/>
+          </a:bodyPr>
+          <a:lstStyle/>
+          <a:p>
+            <a:r>
+              <a:rPr lang="en-US" sz="1900" dirty="0" err="1">
+                <a:ea typeface="+mn-lt"/>
+                <a:cs typeface="+mn-lt"/>
+              </a:rPr>
+              <a:t>Niemetz</a:t>
+            </a:r>
+            <a:r>
+              <a:rPr lang="en-US" sz="1900" dirty="0">
+                <a:ea typeface="+mn-lt"/>
+                <a:cs typeface="+mn-lt"/>
+              </a:rPr>
+              <a:t> et al. [CAV 2018] generated 162 invertibility equivalences and verified them automatically for bit-widths up to 65</a:t>
+            </a:r>
+          </a:p>
+          <a:p>
+            <a:endParaRPr lang="en-US" sz="1900" i="1" dirty="0">
+              <a:ea typeface="+mn-lt"/>
+              <a:cs typeface="+mn-lt"/>
+            </a:endParaRPr>
+          </a:p>
+          <a:p>
+            <a:r>
+              <a:rPr lang="en-US" sz="1900" dirty="0" err="1">
+                <a:ea typeface="+mn-lt"/>
+                <a:cs typeface="+mn-lt"/>
+              </a:rPr>
+              <a:t>Niemetz</a:t>
+            </a:r>
+            <a:r>
+              <a:rPr lang="en-US" sz="1900" dirty="0">
+                <a:ea typeface="+mn-lt"/>
+                <a:cs typeface="+mn-lt"/>
+              </a:rPr>
+              <a:t> et al. [CADE 2019] encoded these equivalences in QF(NIA+UF) to verify 75% of the equivalences for arbitrary bit-width</a:t>
+            </a:r>
+          </a:p>
+          <a:p>
+            <a:endParaRPr lang="en-US" sz="1900" i="1" dirty="0">
+              <a:ea typeface="+mn-lt"/>
+              <a:cs typeface="+mn-lt"/>
+            </a:endParaRPr>
+          </a:p>
+          <a:p>
+            <a:endParaRPr lang="en-US" sz="1900" i="1" dirty="0">
+              <a:ea typeface="+mn-lt"/>
+              <a:cs typeface="+mn-lt"/>
+            </a:endParaRPr>
+          </a:p>
+          <a:p>
+            <a:r>
+              <a:rPr lang="en-US" sz="1900" dirty="0">
+                <a:ea typeface="+mn-lt"/>
+                <a:cs typeface="+mn-lt"/>
+              </a:rPr>
+              <a:t>We proved 11 equivalences from the rest of the 25% of the equivalences in the Coq proof assistant for arbitrary bit-width</a:t>
+            </a:r>
+          </a:p>
+          <a:p>
+            <a:endParaRPr lang="en-US" sz="1900" dirty="0">
+              <a:ea typeface="+mn-lt"/>
+              <a:cs typeface="+mn-lt"/>
+            </a:endParaRPr>
+          </a:p>
+          <a:p>
+            <a:r>
+              <a:rPr lang="en-US" sz="1900" dirty="0">
+                <a:cs typeface="Calibri"/>
+              </a:rPr>
+              <a:t>We used a Coq library originally used for </a:t>
+            </a:r>
+            <a:r>
+              <a:rPr lang="en-US" sz="1900" dirty="0" err="1">
+                <a:cs typeface="Calibri"/>
+              </a:rPr>
+              <a:t>SMTCoq</a:t>
+            </a:r>
+            <a:r>
+              <a:rPr lang="en-US" sz="1900" dirty="0">
+                <a:cs typeface="Calibri"/>
+              </a:rPr>
+              <a:t> developed by </a:t>
+            </a:r>
+            <a:r>
+              <a:rPr lang="en-US" sz="1900" dirty="0" err="1">
+                <a:ea typeface="+mn-lt"/>
+                <a:cs typeface="+mn-lt"/>
+              </a:rPr>
+              <a:t>Ekici</a:t>
+            </a:r>
+            <a:r>
+              <a:rPr lang="en-US" sz="1900" dirty="0">
+                <a:ea typeface="+mn-lt"/>
+                <a:cs typeface="+mn-lt"/>
+              </a:rPr>
+              <a:t> et al. </a:t>
+            </a:r>
+            <a:r>
+              <a:rPr lang="en-US" sz="1900" dirty="0">
+                <a:cs typeface="Calibri"/>
+              </a:rPr>
+              <a:t>[</a:t>
+            </a:r>
+            <a:r>
+              <a:rPr lang="en-US" sz="1900" dirty="0">
+                <a:ea typeface="+mn-lt"/>
+                <a:cs typeface="+mn-lt"/>
+              </a:rPr>
+              <a:t>CAV 2017</a:t>
+            </a:r>
+            <a:r>
+              <a:rPr lang="en-US" sz="1900" dirty="0">
+                <a:cs typeface="Calibri"/>
+              </a:rPr>
+              <a:t>] and extended its signature</a:t>
+            </a:r>
+          </a:p>
+        </p:txBody>
+      </p:sp>
+    </p:spTree>
+    <p:extLst>
+      <p:ext uri="{BB962C8B-B14F-4D97-AF65-F5344CB8AC3E}">
+        <p14:creationId xmlns:p14="http://schemas.microsoft.com/office/powerpoint/2010/main" val="3722045394"/>
+      </p:ext>
+    </p:extLst>
+  </p:cSld>
+  <p:clrMapOvr>
+    <a:masterClrMapping/>
+  </p:clrMapOvr>
+</p:sld>
+</file>
+
+<file path=ppt/slides/slide4.xml><?xml version="1.0" encoding="utf-8"?>
+<p:sld xmlns:a="http://schemas.openxmlformats.org/drawingml/2006/main" xmlns:r="http://schemas.openxmlformats.org/officeDocument/2006/relationships" xmlns:p="http://schemas.openxmlformats.org/presentationml/2006/main">
+  <p:cSld>
+    <p:spTree>
+      <p:nvGrpSpPr>
+        <p:cNvPr id="1" name=""/>
+        <p:cNvGrpSpPr/>
+        <p:nvPr/>
+      </p:nvGrpSpPr>
+      <p:grpSpPr>
+        <a:xfrm>
+          <a:off x="0" y="0"/>
+          <a:ext cx="0" cy="0"/>
+          <a:chOff x="0" y="0"/>
+          <a:chExt cx="0" cy="0"/>
+        </a:xfrm>
+      </p:grpSpPr>
+      <p:sp>
+        <p:nvSpPr>
+          <p:cNvPr id="2" name="Title 1">
+            <a:extLst>
+              <a:ext uri="{FF2B5EF4-FFF2-40B4-BE49-F238E27FC236}">
+                <a16:creationId xmlns:a16="http://schemas.microsoft.com/office/drawing/2014/main" id="{1F0CD4FA-1243-428B-ADE9-3A61ADEAE0ED}"/>
+              </a:ext>
+            </a:extLst>
+          </p:cNvPr>
+          <p:cNvSpPr>
+            <a:spLocks noGrp="1"/>
+          </p:cNvSpPr>
+          <p:nvPr>
+            <p:ph type="ctrTitle"/>
+          </p:nvPr>
+        </p:nvSpPr>
+        <p:spPr/>
+        <p:txBody>
+          <a:bodyPr/>
+          <a:lstStyle/>
+          <a:p>
+            <a:endParaRPr lang="en-US"/>
+          </a:p>
+        </p:txBody>
+      </p:sp>
+      <p:sp>
+        <p:nvSpPr>
+          <p:cNvPr id="3" name="Subtitle 2">
+            <a:extLst>
+              <a:ext uri="{FF2B5EF4-FFF2-40B4-BE49-F238E27FC236}">
+                <a16:creationId xmlns:a16="http://schemas.microsoft.com/office/drawing/2014/main" id="{B929929E-FF07-43B5-91C8-EAF3BE755EF9}"/>
+              </a:ext>
+            </a:extLst>
+          </p:cNvPr>
+          <p:cNvSpPr>
+            <a:spLocks noGrp="1"/>
+          </p:cNvSpPr>
+          <p:nvPr>
+            <p:ph type="subTitle" idx="1"/>
+          </p:nvPr>
+        </p:nvSpPr>
+        <p:spPr/>
+        <p:txBody>
+          <a:bodyPr/>
+          <a:lstStyle/>
+          <a:p>
+            <a:endParaRPr lang="en-US"/>
+          </a:p>
+        </p:txBody>
+      </p:sp>
+    </p:spTree>
+    <p:extLst>
+      <p:ext uri="{BB962C8B-B14F-4D97-AF65-F5344CB8AC3E}">
+        <p14:creationId xmlns:p14="http://schemas.microsoft.com/office/powerpoint/2010/main" val="3751224124"/>
+      </p:ext>
+    </p:extLst>
+  </p:cSld>
+  <p:clrMapOvr>
+    <a:masterClrMapping/>
+  </p:clrMapOvr>
+</p:sld>
+</file>
+
+<file path=ppt/slides/slide5.xml><?xml version="1.0" encoding="utf-8"?>
+<p:sld xmlns:a="http://schemas.openxmlformats.org/drawingml/2006/main" xmlns:r="http://schemas.openxmlformats.org/officeDocument/2006/relationships" xmlns:p="http://schemas.openxmlformats.org/presentationml/2006/main">
+  <p:cSld>
+    <p:spTree>
+      <p:nvGrpSpPr>
+        <p:cNvPr id="1" name=""/>
+        <p:cNvGrpSpPr/>
+        <p:nvPr/>
+      </p:nvGrpSpPr>
+      <p:grpSpPr>
+        <a:xfrm>
+          <a:off x="0" y="0"/>
+          <a:ext cx="0" cy="0"/>
+          <a:chOff x="0" y="0"/>
+          <a:chExt cx="0" cy="0"/>
+        </a:xfrm>
+      </p:grpSpPr>
+      <p:sp>
+        <p:nvSpPr>
           <p:cNvPr id="2" name="Title 1">
             <a:extLst>
               <a:ext uri="{FF2B5EF4-FFF2-40B4-BE49-F238E27FC236}">
@@ -4456,12 +4697,12 @@
           <a:lstStyle/>
           <a:p>
             <a:r>
-              <a:rPr lang="en-US" dirty="0">
+              <a:rPr lang="en-US">
                 <a:cs typeface="Calibri Light"/>
               </a:rPr>
               <a:t>Invertibility Conditions</a:t>
             </a:r>
-            <a:endParaRPr lang="en-US" dirty="0"/>
+            <a:endParaRPr lang="en-US"/>
           </a:p>
         </p:txBody>
       </p:sp>
@@ -4489,7 +4730,7 @@
           </a:prstGeom>
         </p:spPr>
         <p:txBody>
-          <a:bodyPr vert="horz" lIns="91440" tIns="45720" rIns="91440" bIns="45720" rtlCol="0">
+          <a:bodyPr vert="horz" lIns="91440" tIns="45720" rIns="91440" bIns="45720" rtlCol="0" anchor="t">
             <a:normAutofit/>
           </a:bodyPr>
           <a:lstStyle>
@@ -4661,11 +4902,11 @@
               <a:buNone/>
             </a:pPr>
             <a:r>
-              <a:rPr lang="en-US" dirty="0"/>
+              <a:rPr lang="en-US"/>
               <a:t>An </a:t>
             </a:r>
             <a:r>
-              <a:rPr lang="en-US" i="1" dirty="0">
+              <a:rPr lang="en-US" i="1">
                 <a:solidFill>
                   <a:schemeClr val="accent2"/>
                 </a:solidFill>
@@ -4673,11 +4914,11 @@
               <a:t>invertibility condition </a:t>
             </a:r>
             <a:r>
-              <a:rPr lang="en-US" dirty="0"/>
+              <a:rPr lang="en-US"/>
               <a:t>for a variable x</a:t>
             </a:r>
             <a:r>
-              <a:rPr lang="en-US" dirty="0">
+              <a:rPr lang="en-US">
                 <a:solidFill>
                   <a:schemeClr val="accent2"/>
                 </a:solidFill>
@@ -4685,19 +4926,19 @@
               <a:t> </a:t>
             </a:r>
             <a:r>
-              <a:rPr lang="en-US" dirty="0"/>
-              <a:t>in a bit-vector literal </a:t>
-            </a:r>
-          </a:p>
-          <a:p>
-            <a:endParaRPr lang="en-US" dirty="0"/>
+              <a:rPr lang="en-US"/>
+              <a:t>in a bit-vector literal </a:t>
+            </a:r>
+          </a:p>
+          <a:p>
+            <a:endParaRPr lang="en-US"/>
           </a:p>
           <a:p>
             <a:pPr marL="0" indent="0">
               <a:buNone/>
             </a:pPr>
             <a:r>
-              <a:rPr lang="en-US" dirty="0"/>
+              <a:rPr lang="en-US"/>
               <a:t>is a formula </a:t>
             </a:r>
           </a:p>
@@ -4705,22 +4946,22 @@
             <a:pPr marL="0" indent="0">
               <a:buNone/>
             </a:pPr>
-            <a:endParaRPr lang="en-US" dirty="0"/>
+            <a:endParaRPr lang="en-US"/>
           </a:p>
           <a:p>
             <a:pPr marL="0" indent="0">
               <a:buNone/>
             </a:pPr>
             <a:r>
-              <a:rPr lang="en-US" dirty="0" err="1"/>
+              <a:rPr lang="en-US" err="1"/>
               <a:t>s.t.</a:t>
             </a:r>
             <a:r>
-              <a:rPr lang="en-US" dirty="0"/>
+              <a:rPr lang="en-US"/>
               <a:t> the following </a:t>
             </a:r>
             <a:r>
-              <a:rPr lang="en-US" i="1" dirty="0">
+              <a:rPr lang="en-US" i="1">
                 <a:solidFill>
                   <a:schemeClr val="accent2"/>
                 </a:solidFill>
@@ -4728,7 +4969,7 @@
               <a:t>invertibility equivalence</a:t>
             </a:r>
             <a:r>
-              <a:rPr lang="en-US" dirty="0"/>
+              <a:rPr lang="en-US"/>
               <a:t> is valid in the theory of bit-vectors:</a:t>
             </a:r>
           </a:p>
@@ -4736,25 +4977,25 @@
             <a:pPr marL="0" indent="0">
               <a:buNone/>
             </a:pPr>
-            <a:endParaRPr lang="en-US" dirty="0"/>
+            <a:endParaRPr lang="en-US"/>
           </a:p>
           <a:p>
             <a:pPr marL="0" indent="0">
               <a:buNone/>
             </a:pPr>
-            <a:endParaRPr lang="en-US" dirty="0"/>
+            <a:endParaRPr lang="en-US"/>
           </a:p>
           <a:p>
             <a:pPr marL="0" indent="0">
               <a:buNone/>
             </a:pPr>
-            <a:endParaRPr lang="en-US" dirty="0"/>
+            <a:endParaRPr lang="en-US"/>
           </a:p>
           <a:p>
             <a:pPr marL="0" indent="0">
               <a:buNone/>
             </a:pPr>
-            <a:endParaRPr lang="en-US" dirty="0"/>
+            <a:endParaRPr lang="en-US"/>
           </a:p>
         </p:txBody>
       </p:sp>
@@ -4891,7 +5132,7 @@
 </p:sld>
 </file>
 
-<file path=ppt/slides/slide4.xml><?xml version="1.0" encoding="utf-8"?>
+<file path=ppt/slides/slide6.xml><?xml version="1.0" encoding="utf-8"?>
 <p:sld xmlns:a="http://schemas.openxmlformats.org/drawingml/2006/main" xmlns:r="http://schemas.openxmlformats.org/officeDocument/2006/relationships" xmlns:p="http://schemas.openxmlformats.org/presentationml/2006/main">
   <p:cSld>
     <p:spTree>
@@ -4913,236 +5154,6 @@
           <p:cNvPr id="2" name="Title 1">
             <a:extLst>
               <a:ext uri="{FF2B5EF4-FFF2-40B4-BE49-F238E27FC236}">
-                <a16:creationId xmlns:a16="http://schemas.microsoft.com/office/drawing/2014/main" id="{06F775A8-0DB2-4AB2-A8A3-BE27B2F85DE1}"/>
-              </a:ext>
-            </a:extLst>
-          </p:cNvPr>
-          <p:cNvSpPr>
-            <a:spLocks noGrp="1"/>
-          </p:cNvSpPr>
-          <p:nvPr>
-            <p:ph type="title"/>
-          </p:nvPr>
-        </p:nvSpPr>
-        <p:spPr/>
-        <p:txBody>
-          <a:bodyPr/>
-          <a:lstStyle/>
-          <a:p>
-            <a:r>
-              <a:rPr lang="en-US" dirty="0">
-                <a:cs typeface="Calibri Light"/>
-              </a:rPr>
-              <a:t>Contributions</a:t>
-            </a:r>
-            <a:endParaRPr lang="en-US" dirty="0"/>
-          </a:p>
-        </p:txBody>
-      </p:sp>
-      <p:sp>
-        <p:nvSpPr>
-          <p:cNvPr id="3" name="Content Placeholder 2">
-            <a:extLst>
-              <a:ext uri="{FF2B5EF4-FFF2-40B4-BE49-F238E27FC236}">
-                <a16:creationId xmlns:a16="http://schemas.microsoft.com/office/drawing/2014/main" id="{F248C28D-15C8-477D-A972-A03BFB816A57}"/>
-              </a:ext>
-            </a:extLst>
-          </p:cNvPr>
-          <p:cNvSpPr>
-            <a:spLocks noGrp="1"/>
-          </p:cNvSpPr>
-          <p:nvPr>
-            <p:ph idx="1"/>
-          </p:nvPr>
-        </p:nvSpPr>
-        <p:spPr/>
-        <p:txBody>
-          <a:bodyPr vert="horz" lIns="91440" tIns="45720" rIns="91440" bIns="45720" rtlCol="0" anchor="t">
-            <a:normAutofit fontScale="92500" lnSpcReduction="10000"/>
-          </a:bodyPr>
-          <a:lstStyle/>
-          <a:p>
-            <a:r>
-              <a:rPr lang="en-US" dirty="0" err="1">
-                <a:ea typeface="+mn-lt"/>
-                <a:cs typeface="+mn-lt"/>
-              </a:rPr>
-              <a:t>Niemetz</a:t>
-            </a:r>
-            <a:r>
-              <a:rPr lang="en-US" dirty="0">
-                <a:ea typeface="+mn-lt"/>
-                <a:cs typeface="+mn-lt"/>
-              </a:rPr>
-              <a:t> et al. [CAV 2018] generated 162 invertibility equivalences and verified them automatically for </a:t>
-            </a:r>
-            <a:r>
-              <a:rPr lang="en-US" dirty="0">
-                <a:solidFill>
-                  <a:schemeClr val="accent2"/>
-                </a:solidFill>
-                <a:ea typeface="+mn-lt"/>
-                <a:cs typeface="+mn-lt"/>
-              </a:rPr>
-              <a:t>bit-widths up to 65</a:t>
-            </a:r>
-          </a:p>
-          <a:p>
-            <a:endParaRPr lang="en-US" i="1" dirty="0">
-              <a:ea typeface="+mn-lt"/>
-              <a:cs typeface="+mn-lt"/>
-            </a:endParaRPr>
-          </a:p>
-          <a:p>
-            <a:r>
-              <a:rPr lang="en-US" dirty="0" err="1">
-                <a:ea typeface="+mn-lt"/>
-                <a:cs typeface="+mn-lt"/>
-              </a:rPr>
-              <a:t>Niemetz</a:t>
-            </a:r>
-            <a:r>
-              <a:rPr lang="en-US" dirty="0">
-                <a:ea typeface="+mn-lt"/>
-                <a:cs typeface="+mn-lt"/>
-              </a:rPr>
-              <a:t> et al. [CADE 2019] encoded these equivalences in QF(NIA+UF) to verify 75% of the equivalences for </a:t>
-            </a:r>
-            <a:r>
-              <a:rPr lang="en-US" dirty="0">
-                <a:solidFill>
-                  <a:schemeClr val="accent2"/>
-                </a:solidFill>
-                <a:ea typeface="+mn-lt"/>
-                <a:cs typeface="+mn-lt"/>
-              </a:rPr>
-              <a:t>arbitrary bit-width</a:t>
-            </a:r>
-          </a:p>
-          <a:p>
-            <a:endParaRPr lang="en-US" i="1" dirty="0">
-              <a:ea typeface="+mn-lt"/>
-              <a:cs typeface="+mn-lt"/>
-            </a:endParaRPr>
-          </a:p>
-          <a:p>
-            <a:r>
-              <a:rPr lang="en-US" dirty="0">
-                <a:ea typeface="+mn-lt"/>
-                <a:cs typeface="+mn-lt"/>
-              </a:rPr>
-              <a:t>We proved a subset of the rest of the 25% of the equivalences in the Coq proof assistant for </a:t>
-            </a:r>
-            <a:r>
-              <a:rPr lang="en-US" dirty="0">
-                <a:solidFill>
-                  <a:schemeClr val="accent2"/>
-                </a:solidFill>
-                <a:ea typeface="+mn-lt"/>
-                <a:cs typeface="+mn-lt"/>
-              </a:rPr>
-              <a:t>arbitrary bit-width</a:t>
-            </a:r>
-          </a:p>
-          <a:p>
-            <a:endParaRPr lang="en-US" dirty="0">
-              <a:ea typeface="+mn-lt"/>
-              <a:cs typeface="+mn-lt"/>
-            </a:endParaRPr>
-          </a:p>
-          <a:p>
-            <a:r>
-              <a:rPr lang="en-US" dirty="0">
-                <a:cs typeface="Calibri"/>
-              </a:rPr>
-              <a:t>We used a Coq library originally used for </a:t>
-            </a:r>
-            <a:r>
-              <a:rPr lang="en-US" dirty="0" err="1">
-                <a:solidFill>
-                  <a:schemeClr val="accent2"/>
-                </a:solidFill>
-                <a:cs typeface="Calibri"/>
-              </a:rPr>
-              <a:t>SMTCoq</a:t>
-            </a:r>
-            <a:r>
-              <a:rPr lang="en-US" dirty="0">
-                <a:cs typeface="Calibri"/>
-              </a:rPr>
-              <a:t> developed by </a:t>
-            </a:r>
-            <a:r>
-              <a:rPr lang="en-US" dirty="0" err="1">
-                <a:ea typeface="+mn-lt"/>
-                <a:cs typeface="+mn-lt"/>
-              </a:rPr>
-              <a:t>Ekici</a:t>
-            </a:r>
-            <a:r>
-              <a:rPr lang="en-US" dirty="0">
-                <a:ea typeface="+mn-lt"/>
-                <a:cs typeface="+mn-lt"/>
-              </a:rPr>
-              <a:t> et al. </a:t>
-            </a:r>
-            <a:r>
-              <a:rPr lang="en-US" dirty="0">
-                <a:cs typeface="Calibri"/>
-              </a:rPr>
-              <a:t>[</a:t>
-            </a:r>
-            <a:r>
-              <a:rPr lang="en-US" dirty="0">
-                <a:ea typeface="+mn-lt"/>
-                <a:cs typeface="+mn-lt"/>
-              </a:rPr>
-              <a:t>CAV 2017</a:t>
-            </a:r>
-            <a:r>
-              <a:rPr lang="en-US" dirty="0">
-                <a:cs typeface="Calibri"/>
-              </a:rPr>
-              <a:t>] and extended its signature</a:t>
-            </a:r>
-          </a:p>
-        </p:txBody>
-      </p:sp>
-    </p:spTree>
-    <p:extLst>
-      <p:ext uri="{BB962C8B-B14F-4D97-AF65-F5344CB8AC3E}">
-        <p14:creationId xmlns:p14="http://schemas.microsoft.com/office/powerpoint/2010/main" val="3722045394"/>
-      </p:ext>
-    </p:extLst>
-  </p:cSld>
-  <p:clrMapOvr>
-    <a:masterClrMapping/>
-  </p:clrMapOvr>
-</p:sld>
-</file>
-
-<file path=ppt/slides/slide5.xml><?xml version="1.0" encoding="utf-8"?>
-<p:sld xmlns:a="http://schemas.openxmlformats.org/drawingml/2006/main" xmlns:r="http://schemas.openxmlformats.org/officeDocument/2006/relationships" xmlns:p="http://schemas.openxmlformats.org/presentationml/2006/main">
-  <p:cSld>
-    <p:spTree>
-      <p:nvGrpSpPr>
-        <p:cNvPr id="1" name=""/>
-        <p:cNvGrpSpPr/>
-        <p:nvPr/>
-      </p:nvGrpSpPr>
-      <p:grpSpPr>
-        <a:xfrm>
-          <a:off x="0" y="0"/>
-          <a:ext cx="0" cy="0"/>
-          <a:chOff x="0" y="0"/>
-          <a:chExt cx="0" cy="0"/>
-        </a:xfrm>
-      </p:grpSpPr>
-      <p:sp>
-        <p:nvSpPr>
-          <p:cNvPr id="2" name="Title 1">
-            <a:extLst>
-              <a:ext uri="{FF2B5EF4-FFF2-40B4-BE49-F238E27FC236}">
                 <a16:creationId xmlns:a16="http://schemas.microsoft.com/office/drawing/2014/main" id="{7975308B-C36A-41C9-90DD-A1CD2B459944}"/>
               </a:ext>
             </a:extLst>
@@ -5160,7 +5171,7 @@
           <a:lstStyle/>
           <a:p>
             <a:r>
-              <a:rPr lang="en-US" dirty="0">
+              <a:rPr lang="en-US">
                 <a:ea typeface="+mj-lt"/>
                 <a:cs typeface="+mj-lt"/>
               </a:rPr>
@@ -5258,7 +5269,7 @@
 </p:sld>
 </file>
 
-<file path=ppt/slides/slide6.xml><?xml version="1.0" encoding="utf-8"?>
+<file path=ppt/slides/slide7.xml><?xml version="1.0" encoding="utf-8"?>
 <p:sld xmlns:a="http://schemas.openxmlformats.org/drawingml/2006/main" xmlns:r="http://schemas.openxmlformats.org/officeDocument/2006/relationships" xmlns:p="http://schemas.openxmlformats.org/presentationml/2006/main">
   <p:cSld>
     <p:spTree>
@@ -5297,7 +5308,7 @@
           <a:lstStyle/>
           <a:p>
             <a:r>
-              <a:rPr lang="en-US" dirty="0">
+              <a:rPr lang="en-US">
                 <a:ea typeface="+mj-lt"/>
                 <a:cs typeface="+mj-lt"/>
               </a:rPr>
@@ -5521,7 +5532,7 @@
           <a:lstStyle/>
           <a:p>
             <a:r>
-              <a:rPr lang="en-US" sz="2500" dirty="0"/>
+              <a:rPr lang="en-US" sz="2500"/>
               <a:t>…	…</a:t>
             </a:r>
           </a:p>
@@ -5556,7 +5567,7 @@
           <a:lstStyle/>
           <a:p>
             <a:r>
-              <a:rPr lang="en-US" sz="2500" dirty="0"/>
+              <a:rPr lang="en-US" sz="2500"/>
               <a:t>…	…	…</a:t>
             </a:r>
           </a:p>
@@ -5591,7 +5602,7 @@
           <a:lstStyle/>
           <a:p>
             <a:r>
-              <a:rPr lang="en-US" sz="2500" dirty="0"/>
+              <a:rPr lang="en-US" sz="2500"/>
               <a:t>…	…	…</a:t>
             </a:r>
           </a:p>
@@ -5650,6 +5661,25 @@
 <p:tagLst xmlns:a="http://schemas.openxmlformats.org/drawingml/2006/main" xmlns:r="http://schemas.openxmlformats.org/officeDocument/2006/relationships" xmlns:p="http://schemas.openxmlformats.org/presentationml/2006/main">
   <p:tag name="OUTPUTDPI" val="1200"/>
   <p:tag name="ORIGINALHEIGHT" val="123.7346"/>
+  <p:tag name="ORIGINALWIDTH" val="2358.455"/>
+  <p:tag name="LATEXADDIN" val="\documentclass{article}&#10;\usepackage{amsmath}&#10;\usepackage[dvipsnames]{xcolor}&#10;\pagestyle{empty}&#10;\begin{document}&#10;\color{NavyBlue}$\forall s, t : BV_n.\ \color{BurntOrange}IC[s,t] \color{NavyBlue}\iff \exists x : BV_n.\ \ell[x,s,t]$&#10;\end{document}"/>
+  <p:tag name="IGUANATEXSIZE" val="28"/>
+  <p:tag name="IGUANATEXCURSOR" val="163"/>
+  <p:tag name="TRANSPARENCY" val="True"/>
+  <p:tag name="FILENAME" val=""/>
+  <p:tag name="LATEXENGINEID" val="0"/>
+  <p:tag name="TEMPFOLDER" val="c:\temp\"/>
+  <p:tag name="LATEXFORMHEIGHT" val="312"/>
+  <p:tag name="LATEXFORMWIDTH" val="384"/>
+  <p:tag name="LATEXFORMWRAP" val="True"/>
+  <p:tag name="BITMAPVECTOR" val="0"/>
+</p:tagLst>
+</file>
+
+<file path=ppt/tags/tag2.xml><?xml version="1.0" encoding="utf-8"?>
+<p:tagLst xmlns:a="http://schemas.openxmlformats.org/drawingml/2006/main" xmlns:r="http://schemas.openxmlformats.org/officeDocument/2006/relationships" xmlns:p="http://schemas.openxmlformats.org/presentationml/2006/main">
+  <p:tag name="OUTPUTDPI" val="1200"/>
+  <p:tag name="ORIGINALHEIGHT" val="123.7346"/>
   <p:tag name="ORIGINALWIDTH" val="681.6648"/>
   <p:tag name="LATEXADDIN" val="\documentclass{article}&#10;\usepackage{amsmath}&#10;\usepackage[dvipsnames]{xcolor}&#10;\pagestyle{empty}&#10;\begin{document}&#10;\color{NavyBlue}$\ell\ [\ x\ ,\ s\ ,\ t\ ]$&#10;\end{document}"/>
   <p:tag name="IGUANATEXSIZE" val="28"/>
@@ -5665,7 +5695,7 @@
 </p:tagLst>
 </file>
 
-<file path=ppt/tags/tag2.xml><?xml version="1.0" encoding="utf-8"?>
+<file path=ppt/tags/tag3.xml><?xml version="1.0" encoding="utf-8"?>
 <p:tagLst xmlns:a="http://schemas.openxmlformats.org/drawingml/2006/main" xmlns:r="http://schemas.openxmlformats.org/officeDocument/2006/relationships" xmlns:p="http://schemas.openxmlformats.org/presentationml/2006/main">
   <p:tag name="OUTPUTDPI" val="1200"/>
   <p:tag name="ORIGINALHEIGHT" val="123.7346"/>
@@ -5684,7 +5714,7 @@
 </p:tagLst>
 </file>
 
-<file path=ppt/tags/tag3.xml><?xml version="1.0" encoding="utf-8"?>
+<file path=ppt/tags/tag4.xml><?xml version="1.0" encoding="utf-8"?>
 <p:tagLst xmlns:a="http://schemas.openxmlformats.org/drawingml/2006/main" xmlns:r="http://schemas.openxmlformats.org/officeDocument/2006/relationships" xmlns:p="http://schemas.openxmlformats.org/presentationml/2006/main">
   <p:tag name="OUTPUTDPI" val="1200"/>
   <p:tag name="ORIGINALHEIGHT" val="123.7346"/>
@@ -5703,7 +5733,7 @@
 </p:tagLst>
 </file>
 
-<file path=ppt/tags/tag4.xml><?xml version="1.0" encoding="utf-8"?>
+<file path=ppt/tags/tag5.xml><?xml version="1.0" encoding="utf-8"?>
 <p:tagLst xmlns:a="http://schemas.openxmlformats.org/drawingml/2006/main" xmlns:r="http://schemas.openxmlformats.org/officeDocument/2006/relationships" xmlns:p="http://schemas.openxmlformats.org/presentationml/2006/main">
   <p:tag name="OUTPUTDPI" val="1200"/>
   <p:tag name="ORIGINALHEIGHT" val="2235.47"/>
@@ -5722,7 +5752,7 @@
 </p:tagLst>
 </file>
 
-<file path=ppt/tags/tag5.xml><?xml version="1.0" encoding="utf-8"?>
+<file path=ppt/tags/tag6.xml><?xml version="1.0" encoding="utf-8"?>
 <p:tagLst xmlns:a="http://schemas.openxmlformats.org/drawingml/2006/main" xmlns:r="http://schemas.openxmlformats.org/officeDocument/2006/relationships" xmlns:p="http://schemas.openxmlformats.org/presentationml/2006/main">
   <p:tag name="OUTPUTDPI" val="1200"/>
   <p:tag name="ORIGINALHEIGHT" val="3122.61"/>

--- a/FMCAD Presentation.pptx
+++ b/FMCAD Presentation.pptx
@@ -124,8 +124,8 @@
 <file path=ppt/revisionInfo.xml><?xml version="1.0" encoding="utf-8"?>
 <p1510:revInfo xmlns:a="http://schemas.openxmlformats.org/drawingml/2006/main" xmlns:r="http://schemas.openxmlformats.org/officeDocument/2006/relationships" xmlns:p1510="http://schemas.microsoft.com/office/powerpoint/2015/10/main">
   <p1510:revLst>
+    <p1510:client id="{7B6C28CE-2296-3D47-A583-3889B6B362C1}" v="8" dt="2019-10-08T22:32:05.245"/>
     <p1510:client id="{BDADA2DD-3D8F-B4E3-FDB3-8E9D831B0CAA}" v="36" dt="2019-10-08T22:28:54.517"/>
-    <p1510:client id="{7B6C28CE-2296-3D47-A583-3889B6B362C1}" v="8" dt="2019-10-08T22:32:05.245"/>
   </p1510:revLst>
 </p1510:revInfo>
 </file>
@@ -212,7 +212,7 @@
           <a:p>
             <a:fld id="{1FF7F9DD-FA9A-401A-9E21-DC407FB18E79}" type="datetimeFigureOut">
               <a:rPr lang="en-US" smtClean="0"/>
-              <a:t>10/8/2019</a:t>
+              <a:t>10/15/2019</a:t>
             </a:fld>
             <a:endParaRPr lang="en-US"/>
           </a:p>
@@ -728,7 +728,7 @@
           <a:p>
             <a:fld id="{846CE7D5-CF57-46EF-B807-FDD0502418D4}" type="datetimeFigureOut">
               <a:rPr lang="en-US" smtClean="0"/>
-              <a:t>10/8/2019</a:t>
+              <a:t>10/15/2019</a:t>
             </a:fld>
             <a:endParaRPr lang="en-US"/>
           </a:p>
@@ -896,7 +896,7 @@
           <a:p>
             <a:fld id="{846CE7D5-CF57-46EF-B807-FDD0502418D4}" type="datetimeFigureOut">
               <a:rPr lang="en-US" smtClean="0"/>
-              <a:t>10/8/2019</a:t>
+              <a:t>10/15/2019</a:t>
             </a:fld>
             <a:endParaRPr lang="en-US"/>
           </a:p>
@@ -1074,7 +1074,7 @@
           <a:p>
             <a:fld id="{846CE7D5-CF57-46EF-B807-FDD0502418D4}" type="datetimeFigureOut">
               <a:rPr lang="en-US" smtClean="0"/>
-              <a:t>10/8/2019</a:t>
+              <a:t>10/15/2019</a:t>
             </a:fld>
             <a:endParaRPr lang="en-US"/>
           </a:p>
@@ -1242,7 +1242,7 @@
           <a:p>
             <a:fld id="{846CE7D5-CF57-46EF-B807-FDD0502418D4}" type="datetimeFigureOut">
               <a:rPr lang="en-US" smtClean="0"/>
-              <a:t>10/8/2019</a:t>
+              <a:t>10/15/2019</a:t>
             </a:fld>
             <a:endParaRPr lang="en-US"/>
           </a:p>
@@ -1487,7 +1487,7 @@
           <a:p>
             <a:fld id="{846CE7D5-CF57-46EF-B807-FDD0502418D4}" type="datetimeFigureOut">
               <a:rPr lang="en-US" smtClean="0"/>
-              <a:t>10/8/2019</a:t>
+              <a:t>10/15/2019</a:t>
             </a:fld>
             <a:endParaRPr lang="en-US"/>
           </a:p>
@@ -1716,7 +1716,7 @@
           <a:p>
             <a:fld id="{846CE7D5-CF57-46EF-B807-FDD0502418D4}" type="datetimeFigureOut">
               <a:rPr lang="en-US" smtClean="0"/>
-              <a:t>10/8/2019</a:t>
+              <a:t>10/15/2019</a:t>
             </a:fld>
             <a:endParaRPr lang="en-US"/>
           </a:p>
@@ -2080,7 +2080,7 @@
           <a:p>
             <a:fld id="{846CE7D5-CF57-46EF-B807-FDD0502418D4}" type="datetimeFigureOut">
               <a:rPr lang="en-US" smtClean="0"/>
-              <a:t>10/8/2019</a:t>
+              <a:t>10/15/2019</a:t>
             </a:fld>
             <a:endParaRPr lang="en-US"/>
           </a:p>
@@ -2197,7 +2197,7 @@
           <a:p>
             <a:fld id="{846CE7D5-CF57-46EF-B807-FDD0502418D4}" type="datetimeFigureOut">
               <a:rPr lang="en-US" smtClean="0"/>
-              <a:t>10/8/2019</a:t>
+              <a:t>10/15/2019</a:t>
             </a:fld>
             <a:endParaRPr lang="en-US"/>
           </a:p>
@@ -2292,7 +2292,7 @@
           <a:p>
             <a:fld id="{846CE7D5-CF57-46EF-B807-FDD0502418D4}" type="datetimeFigureOut">
               <a:rPr lang="en-US" smtClean="0"/>
-              <a:t>10/8/2019</a:t>
+              <a:t>10/15/2019</a:t>
             </a:fld>
             <a:endParaRPr lang="en-US"/>
           </a:p>
@@ -2567,7 +2567,7 @@
           <a:p>
             <a:fld id="{846CE7D5-CF57-46EF-B807-FDD0502418D4}" type="datetimeFigureOut">
               <a:rPr lang="en-US" smtClean="0"/>
-              <a:t>10/8/2019</a:t>
+              <a:t>10/15/2019</a:t>
             </a:fld>
             <a:endParaRPr lang="en-US"/>
           </a:p>
@@ -2822,7 +2822,7 @@
           <a:p>
             <a:fld id="{846CE7D5-CF57-46EF-B807-FDD0502418D4}" type="datetimeFigureOut">
               <a:rPr lang="en-US" smtClean="0"/>
-              <a:t>10/8/2019</a:t>
+              <a:t>10/15/2019</a:t>
             </a:fld>
             <a:endParaRPr lang="en-US"/>
           </a:p>
@@ -3033,7 +3033,7 @@
           <a:p>
             <a:fld id="{846CE7D5-CF57-46EF-B807-FDD0502418D4}" type="datetimeFigureOut">
               <a:rPr lang="en-US" smtClean="0"/>
-              <a:t>10/8/2019</a:t>
+              <a:t>10/15/2019</a:t>
             </a:fld>
             <a:endParaRPr lang="en-US"/>
           </a:p>
@@ -4595,56 +4595,6 @@
           <a:chExt cx="0" cy="0"/>
         </a:xfrm>
       </p:grpSpPr>
-      <p:sp>
-        <p:nvSpPr>
-          <p:cNvPr id="2" name="Title 1">
-            <a:extLst>
-              <a:ext uri="{FF2B5EF4-FFF2-40B4-BE49-F238E27FC236}">
-                <a16:creationId xmlns:a16="http://schemas.microsoft.com/office/drawing/2014/main" id="{1F0CD4FA-1243-428B-ADE9-3A61ADEAE0ED}"/>
-              </a:ext>
-            </a:extLst>
-          </p:cNvPr>
-          <p:cNvSpPr>
-            <a:spLocks noGrp="1"/>
-          </p:cNvSpPr>
-          <p:nvPr>
-            <p:ph type="ctrTitle"/>
-          </p:nvPr>
-        </p:nvSpPr>
-        <p:spPr/>
-        <p:txBody>
-          <a:bodyPr/>
-          <a:lstStyle/>
-          <a:p>
-            <a:endParaRPr lang="en-US"/>
-          </a:p>
-        </p:txBody>
-      </p:sp>
-      <p:sp>
-        <p:nvSpPr>
-          <p:cNvPr id="3" name="Subtitle 2">
-            <a:extLst>
-              <a:ext uri="{FF2B5EF4-FFF2-40B4-BE49-F238E27FC236}">
-                <a16:creationId xmlns:a16="http://schemas.microsoft.com/office/drawing/2014/main" id="{B929929E-FF07-43B5-91C8-EAF3BE755EF9}"/>
-              </a:ext>
-            </a:extLst>
-          </p:cNvPr>
-          <p:cNvSpPr>
-            <a:spLocks noGrp="1"/>
-          </p:cNvSpPr>
-          <p:nvPr>
-            <p:ph type="subTitle" idx="1"/>
-          </p:nvPr>
-        </p:nvSpPr>
-        <p:spPr/>
-        <p:txBody>
-          <a:bodyPr/>
-          <a:lstStyle/>
-          <a:p>
-            <a:endParaRPr lang="en-US"/>
-          </a:p>
-        </p:txBody>
-      </p:sp>
     </p:spTree>
     <p:extLst>
       <p:ext uri="{BB962C8B-B14F-4D97-AF65-F5344CB8AC3E}">
